--- a/docs/Design/MG/MG_graph.pptx
+++ b/docs/Design/MG/MG_graph.pptx
@@ -3362,7 +3362,7 @@
         </p:nvSpPr>
         <p:spPr>
           <a:xfrm>
-            <a:off x="1709153" y="300197"/>
+            <a:off x="1096887" y="300745"/>
             <a:ext cx="1235994" cy="788376"/>
           </a:xfrm>
           <a:prstGeom prst="rect">
@@ -3418,7 +3418,7 @@
         </p:nvSpPr>
         <p:spPr>
           <a:xfrm>
-            <a:off x="3257149" y="457150"/>
+            <a:off x="2644883" y="457698"/>
             <a:ext cx="1938240" cy="476661"/>
           </a:xfrm>
           <a:prstGeom prst="rect">
@@ -3471,7 +3471,7 @@
         </p:nvSpPr>
         <p:spPr>
           <a:xfrm>
-            <a:off x="5561508" y="457150"/>
+            <a:off x="4949242" y="457698"/>
             <a:ext cx="1576435" cy="476662"/>
           </a:xfrm>
           <a:prstGeom prst="rect">
@@ -3536,7 +3536,7 @@
         </p:nvCxnSpPr>
         <p:spPr>
           <a:xfrm>
-            <a:off x="2945147" y="694385"/>
+            <a:off x="2332881" y="694933"/>
             <a:ext cx="312002" cy="1096"/>
           </a:xfrm>
           <a:prstGeom prst="straightConnector1">
@@ -3579,7 +3579,7 @@
         </p:nvCxnSpPr>
         <p:spPr>
           <a:xfrm>
-            <a:off x="5195389" y="695480"/>
+            <a:off x="4583123" y="696028"/>
             <a:ext cx="366119" cy="1"/>
           </a:xfrm>
           <a:prstGeom prst="straightConnector1">
@@ -3622,7 +3622,7 @@
         </p:nvCxnSpPr>
         <p:spPr>
           <a:xfrm flipV="1">
-            <a:off x="7137943" y="694385"/>
+            <a:off x="6525677" y="694933"/>
             <a:ext cx="909898" cy="1097"/>
           </a:xfrm>
           <a:prstGeom prst="straightConnector1">
@@ -3661,7 +3661,7 @@
         </p:nvGrpSpPr>
         <p:grpSpPr>
           <a:xfrm>
-            <a:off x="8047842" y="1437754"/>
+            <a:off x="7435576" y="1438302"/>
             <a:ext cx="2435006" cy="5118954"/>
             <a:chOff x="1892567" y="1576045"/>
             <a:chExt cx="2162934" cy="4546994"/>
@@ -4166,7 +4166,7 @@
         </p:nvCxnSpPr>
         <p:spPr>
           <a:xfrm rot="16200000" flipH="1">
-            <a:off x="6245639" y="1037899"/>
+            <a:off x="5633373" y="1038447"/>
             <a:ext cx="1906291" cy="1698117"/>
           </a:xfrm>
           <a:prstGeom prst="bentConnector2">
@@ -4208,7 +4208,7 @@
         </p:nvCxnSpPr>
         <p:spPr>
           <a:xfrm rot="16200000" flipH="1">
-            <a:off x="5955498" y="1328039"/>
+            <a:off x="5343232" y="1328587"/>
             <a:ext cx="2486573" cy="1698117"/>
           </a:xfrm>
           <a:prstGeom prst="bentConnector2">
@@ -4250,7 +4250,7 @@
         </p:nvCxnSpPr>
         <p:spPr>
           <a:xfrm rot="16200000" flipH="1">
-            <a:off x="5665784" y="1617753"/>
+            <a:off x="5053518" y="1618301"/>
             <a:ext cx="3066001" cy="1698117"/>
           </a:xfrm>
           <a:prstGeom prst="bentConnector2">
@@ -4292,7 +4292,7 @@
         </p:nvCxnSpPr>
         <p:spPr>
           <a:xfrm rot="16200000" flipH="1">
-            <a:off x="5376071" y="1907467"/>
+            <a:off x="4763805" y="1908015"/>
             <a:ext cx="3645428" cy="1698117"/>
           </a:xfrm>
           <a:prstGeom prst="bentConnector2">
@@ -4334,7 +4334,7 @@
         </p:nvCxnSpPr>
         <p:spPr>
           <a:xfrm rot="16200000" flipH="1">
-            <a:off x="5085929" y="2197609"/>
+            <a:off x="4473663" y="2198157"/>
             <a:ext cx="4225710" cy="1698117"/>
           </a:xfrm>
           <a:prstGeom prst="bentConnector2">
@@ -4377,7 +4377,7 @@
         </p:nvCxnSpPr>
         <p:spPr>
           <a:xfrm rot="16200000" flipH="1">
-            <a:off x="4796215" y="2487322"/>
+            <a:off x="4183949" y="2487870"/>
             <a:ext cx="4805138" cy="1698117"/>
           </a:xfrm>
           <a:prstGeom prst="bentConnector2">
@@ -4419,7 +4419,7 @@
         </p:nvCxnSpPr>
         <p:spPr>
           <a:xfrm rot="16200000" flipH="1">
-            <a:off x="4506500" y="2777036"/>
+            <a:off x="3894234" y="2777584"/>
             <a:ext cx="5384566" cy="1698116"/>
           </a:xfrm>
           <a:prstGeom prst="bentConnector2">
@@ -4461,7 +4461,7 @@
         </p:nvCxnSpPr>
         <p:spPr>
           <a:xfrm rot="16200000" flipH="1">
-            <a:off x="6537193" y="746344"/>
+            <a:off x="5924927" y="746892"/>
             <a:ext cx="1323183" cy="1698117"/>
           </a:xfrm>
           <a:prstGeom prst="bentConnector2">
@@ -4503,7 +4503,7 @@
         </p:nvCxnSpPr>
         <p:spPr>
           <a:xfrm rot="16200000" flipH="1">
-            <a:off x="6827648" y="455890"/>
+            <a:off x="6215382" y="456438"/>
             <a:ext cx="742274" cy="1698117"/>
           </a:xfrm>
           <a:prstGeom prst="bentConnector2">
@@ -4542,7 +4542,7 @@
         </p:nvGrpSpPr>
         <p:grpSpPr>
           <a:xfrm>
-            <a:off x="4545365" y="1440750"/>
+            <a:off x="3933099" y="1441298"/>
             <a:ext cx="1477370" cy="1670705"/>
             <a:chOff x="539134" y="2952142"/>
             <a:chExt cx="1312298" cy="1484031"/>
@@ -4725,7 +4725,7 @@
         </p:nvCxnSpPr>
         <p:spPr>
           <a:xfrm rot="16200000" flipH="1">
-            <a:off x="4013182" y="1146898"/>
+            <a:off x="3400916" y="1147446"/>
             <a:ext cx="745271" cy="319095"/>
           </a:xfrm>
           <a:prstGeom prst="bentConnector2">
@@ -4767,7 +4767,7 @@
         </p:nvCxnSpPr>
         <p:spPr>
           <a:xfrm rot="16200000" flipH="1">
-            <a:off x="3714671" y="1445408"/>
+            <a:off x="3102405" y="1445956"/>
             <a:ext cx="1342292" cy="319095"/>
           </a:xfrm>
           <a:prstGeom prst="bentConnector2">
@@ -4809,7 +4809,7 @@
         </p:nvCxnSpPr>
         <p:spPr>
           <a:xfrm rot="16200000" flipH="1">
-            <a:off x="3416160" y="1743919"/>
+            <a:off x="2803894" y="1744467"/>
             <a:ext cx="1939314" cy="319095"/>
           </a:xfrm>
           <a:prstGeom prst="bentConnector2">
@@ -4848,7 +4848,7 @@
         </p:nvGrpSpPr>
         <p:grpSpPr>
           <a:xfrm>
-            <a:off x="4545365" y="3434642"/>
+            <a:off x="3933099" y="3435190"/>
             <a:ext cx="1477370" cy="1075682"/>
             <a:chOff x="4599259" y="3762688"/>
             <a:chExt cx="1312298" cy="955492"/>
@@ -4994,7 +4994,7 @@
         </p:nvCxnSpPr>
         <p:spPr>
           <a:xfrm rot="16200000" flipH="1">
-            <a:off x="3016235" y="2143844"/>
+            <a:off x="2403969" y="2144392"/>
             <a:ext cx="2739163" cy="319095"/>
           </a:xfrm>
           <a:prstGeom prst="bentConnector2">
@@ -5036,7 +5036,7 @@
         </p:nvCxnSpPr>
         <p:spPr>
           <a:xfrm rot="16200000" flipH="1">
-            <a:off x="2716726" y="2443354"/>
+            <a:off x="2104460" y="2443902"/>
             <a:ext cx="3338183" cy="319095"/>
           </a:xfrm>
           <a:prstGeom prst="bentConnector2">
@@ -5075,7 +5075,7 @@
         </p:nvSpPr>
         <p:spPr>
           <a:xfrm>
-            <a:off x="1709153" y="1439946"/>
+            <a:off x="1096887" y="1440494"/>
             <a:ext cx="1235993" cy="474470"/>
           </a:xfrm>
           <a:prstGeom prst="rect">
@@ -5128,7 +5128,7 @@
         </p:nvCxnSpPr>
         <p:spPr>
           <a:xfrm>
-            <a:off x="2327150" y="1088573"/>
+            <a:off x="1714884" y="1089121"/>
             <a:ext cx="0" cy="351373"/>
           </a:xfrm>
           <a:prstGeom prst="straightConnector1">
@@ -5167,7 +5167,7 @@
         </p:nvSpPr>
         <p:spPr>
           <a:xfrm>
-            <a:off x="8047842" y="457150"/>
+            <a:off x="7435576" y="457698"/>
             <a:ext cx="1235993" cy="474470"/>
           </a:xfrm>
           <a:prstGeom prst="rect">
@@ -5216,7 +5216,7 @@
         </p:nvSpPr>
         <p:spPr>
           <a:xfrm>
-            <a:off x="1709152" y="3245286"/>
+            <a:off x="1096886" y="3245834"/>
             <a:ext cx="1235994" cy="788376"/>
           </a:xfrm>
           <a:prstGeom prst="rect">
@@ -5279,13 +5279,103 @@
         </p:nvCxnSpPr>
         <p:spPr>
           <a:xfrm rot="5400000">
-            <a:off x="2120972" y="1139988"/>
+            <a:off x="1508706" y="1140536"/>
             <a:ext cx="2311475" cy="1899120"/>
           </a:xfrm>
           <a:prstGeom prst="bentConnector3">
             <a:avLst>
               <a:gd name="adj1" fmla="val 71187"/>
             </a:avLst>
+          </a:prstGeom>
+          <a:ln>
+            <a:tailEnd type="triangle"/>
+          </a:ln>
+        </p:spPr>
+        <p:style>
+          <a:lnRef idx="1">
+            <a:schemeClr val="accent1"/>
+          </a:lnRef>
+          <a:fillRef idx="0">
+            <a:schemeClr val="accent1"/>
+          </a:fillRef>
+          <a:effectRef idx="0">
+            <a:schemeClr val="accent1"/>
+          </a:effectRef>
+          <a:fontRef idx="minor">
+            <a:schemeClr val="tx1"/>
+          </a:fontRef>
+        </p:style>
+      </p:cxnSp>
+      <p:sp>
+        <p:nvSpPr>
+          <p:cNvPr id="2" name="Rectangle 1">
+            <a:extLst>
+              <a:ext uri="{FF2B5EF4-FFF2-40B4-BE49-F238E27FC236}">
+                <a16:creationId xmlns:a16="http://schemas.microsoft.com/office/drawing/2014/main" id="{8EABAEA7-15D6-396E-7F7D-9B532D95C92E}"/>
+              </a:ext>
+            </a:extLst>
+          </p:cNvPr>
+          <p:cNvSpPr/>
+          <p:nvPr/>
+        </p:nvSpPr>
+        <p:spPr>
+          <a:xfrm>
+            <a:off x="9249003" y="354933"/>
+            <a:ext cx="1846112" cy="680000"/>
+          </a:xfrm>
+          <a:prstGeom prst="rect">
+            <a:avLst/>
+          </a:prstGeom>
+        </p:spPr>
+        <p:style>
+          <a:lnRef idx="2">
+            <a:schemeClr val="accent1"/>
+          </a:lnRef>
+          <a:fillRef idx="1">
+            <a:schemeClr val="lt1"/>
+          </a:fillRef>
+          <a:effectRef idx="0">
+            <a:schemeClr val="accent1"/>
+          </a:effectRef>
+          <a:fontRef idx="minor">
+            <a:schemeClr val="dk1"/>
+          </a:fontRef>
+        </p:style>
+        <p:txBody>
+          <a:bodyPr rtlCol="0" anchor="ctr"/>
+          <a:lstStyle/>
+          <a:p>
+            <a:pPr algn="ctr"/>
+            <a:r>
+              <a:rPr lang="en-CA" sz="1600" dirty="0"/>
+              <a:t>Draw Stage / Canvas Object</a:t>
+            </a:r>
+          </a:p>
+        </p:txBody>
+      </p:sp>
+      <p:cxnSp>
+        <p:nvCxnSpPr>
+          <p:cNvPr id="7" name="Straight Arrow Connector 6">
+            <a:extLst>
+              <a:ext uri="{FF2B5EF4-FFF2-40B4-BE49-F238E27FC236}">
+                <a16:creationId xmlns:a16="http://schemas.microsoft.com/office/drawing/2014/main" id="{780EAEEF-27DD-43BB-8E24-FC5D7CA89F44}"/>
+              </a:ext>
+            </a:extLst>
+          </p:cNvPr>
+          <p:cNvCxnSpPr>
+            <a:cxnSpLocks/>
+            <a:stCxn id="121" idx="3"/>
+            <a:endCxn id="2" idx="1"/>
+          </p:cNvCxnSpPr>
+          <p:nvPr/>
+        </p:nvCxnSpPr>
+        <p:spPr>
+          <a:xfrm>
+            <a:off x="8671569" y="694933"/>
+            <a:ext cx="577434" cy="0"/>
+          </a:xfrm>
+          <a:prstGeom prst="straightConnector1">
+            <a:avLst/>
           </a:prstGeom>
           <a:ln>
             <a:tailEnd type="triangle"/>

--- a/docs/Design/MG/MG_graph.pptx
+++ b/docs/Design/MG/MG_graph.pptx
@@ -5347,8 +5347,12 @@
           <a:p>
             <a:pPr algn="ctr"/>
             <a:r>
+              <a:rPr lang="en-CA" sz="1600"/>
+              <a:t>Drawing </a:t>
+            </a:r>
+            <a:r>
               <a:rPr lang="en-CA" sz="1600" dirty="0"/>
-              <a:t>Draw Stage / Canvas Object</a:t>
+              <a:t>Stage / Canvas Object</a:t>
             </a:r>
           </a:p>
         </p:txBody>

--- a/docs/Design/MG/MG_graph.pptx
+++ b/docs/Design/MG/MG_graph.pptx
@@ -262,7 +262,7 @@
           <a:p>
             <a:fld id="{F47AF883-73CD-4D01-B3F1-B6051B25B1FC}" type="datetimeFigureOut">
               <a:rPr lang="en-CA" smtClean="0"/>
-              <a:t>2023-03-18</a:t>
+              <a:t>2023-03-19</a:t>
             </a:fld>
             <a:endParaRPr lang="en-CA"/>
           </a:p>
@@ -462,7 +462,7 @@
           <a:p>
             <a:fld id="{F47AF883-73CD-4D01-B3F1-B6051B25B1FC}" type="datetimeFigureOut">
               <a:rPr lang="en-CA" smtClean="0"/>
-              <a:t>2023-03-18</a:t>
+              <a:t>2023-03-19</a:t>
             </a:fld>
             <a:endParaRPr lang="en-CA"/>
           </a:p>
@@ -672,7 +672,7 @@
           <a:p>
             <a:fld id="{F47AF883-73CD-4D01-B3F1-B6051B25B1FC}" type="datetimeFigureOut">
               <a:rPr lang="en-CA" smtClean="0"/>
-              <a:t>2023-03-18</a:t>
+              <a:t>2023-03-19</a:t>
             </a:fld>
             <a:endParaRPr lang="en-CA"/>
           </a:p>
@@ -872,7 +872,7 @@
           <a:p>
             <a:fld id="{F47AF883-73CD-4D01-B3F1-B6051B25B1FC}" type="datetimeFigureOut">
               <a:rPr lang="en-CA" smtClean="0"/>
-              <a:t>2023-03-18</a:t>
+              <a:t>2023-03-19</a:t>
             </a:fld>
             <a:endParaRPr lang="en-CA"/>
           </a:p>
@@ -1148,7 +1148,7 @@
           <a:p>
             <a:fld id="{F47AF883-73CD-4D01-B3F1-B6051B25B1FC}" type="datetimeFigureOut">
               <a:rPr lang="en-CA" smtClean="0"/>
-              <a:t>2023-03-18</a:t>
+              <a:t>2023-03-19</a:t>
             </a:fld>
             <a:endParaRPr lang="en-CA"/>
           </a:p>
@@ -1416,7 +1416,7 @@
           <a:p>
             <a:fld id="{F47AF883-73CD-4D01-B3F1-B6051B25B1FC}" type="datetimeFigureOut">
               <a:rPr lang="en-CA" smtClean="0"/>
-              <a:t>2023-03-18</a:t>
+              <a:t>2023-03-19</a:t>
             </a:fld>
             <a:endParaRPr lang="en-CA"/>
           </a:p>
@@ -1831,7 +1831,7 @@
           <a:p>
             <a:fld id="{F47AF883-73CD-4D01-B3F1-B6051B25B1FC}" type="datetimeFigureOut">
               <a:rPr lang="en-CA" smtClean="0"/>
-              <a:t>2023-03-18</a:t>
+              <a:t>2023-03-19</a:t>
             </a:fld>
             <a:endParaRPr lang="en-CA"/>
           </a:p>
@@ -1973,7 +1973,7 @@
           <a:p>
             <a:fld id="{F47AF883-73CD-4D01-B3F1-B6051B25B1FC}" type="datetimeFigureOut">
               <a:rPr lang="en-CA" smtClean="0"/>
-              <a:t>2023-03-18</a:t>
+              <a:t>2023-03-19</a:t>
             </a:fld>
             <a:endParaRPr lang="en-CA"/>
           </a:p>
@@ -2086,7 +2086,7 @@
           <a:p>
             <a:fld id="{F47AF883-73CD-4D01-B3F1-B6051B25B1FC}" type="datetimeFigureOut">
               <a:rPr lang="en-CA" smtClean="0"/>
-              <a:t>2023-03-18</a:t>
+              <a:t>2023-03-19</a:t>
             </a:fld>
             <a:endParaRPr lang="en-CA"/>
           </a:p>
@@ -2399,7 +2399,7 @@
           <a:p>
             <a:fld id="{F47AF883-73CD-4D01-B3F1-B6051B25B1FC}" type="datetimeFigureOut">
               <a:rPr lang="en-CA" smtClean="0"/>
-              <a:t>2023-03-18</a:t>
+              <a:t>2023-03-19</a:t>
             </a:fld>
             <a:endParaRPr lang="en-CA"/>
           </a:p>
@@ -2688,7 +2688,7 @@
           <a:p>
             <a:fld id="{F47AF883-73CD-4D01-B3F1-B6051B25B1FC}" type="datetimeFigureOut">
               <a:rPr lang="en-CA" smtClean="0"/>
-              <a:t>2023-03-18</a:t>
+              <a:t>2023-03-19</a:t>
             </a:fld>
             <a:endParaRPr lang="en-CA"/>
           </a:p>
@@ -2931,7 +2931,7 @@
           <a:p>
             <a:fld id="{F47AF883-73CD-4D01-B3F1-B6051B25B1FC}" type="datetimeFigureOut">
               <a:rPr lang="en-CA" smtClean="0"/>
-              <a:t>2023-03-18</a:t>
+              <a:t>2023-03-19</a:t>
             </a:fld>
             <a:endParaRPr lang="en-CA"/>
           </a:p>
@@ -3542,7 +3542,10 @@
           <a:prstGeom prst="straightConnector1">
             <a:avLst/>
           </a:prstGeom>
-          <a:ln>
+          <a:ln w="12700">
+            <a:solidFill>
+              <a:schemeClr val="tx1"/>
+            </a:solidFill>
             <a:tailEnd type="triangle"/>
           </a:ln>
         </p:spPr>
@@ -3585,7 +3588,10 @@
           <a:prstGeom prst="straightConnector1">
             <a:avLst/>
           </a:prstGeom>
-          <a:ln>
+          <a:ln w="12700">
+            <a:solidFill>
+              <a:schemeClr val="tx1"/>
+            </a:solidFill>
             <a:tailEnd type="triangle"/>
           </a:ln>
         </p:spPr>
@@ -3628,7 +3634,10 @@
           <a:prstGeom prst="straightConnector1">
             <a:avLst/>
           </a:prstGeom>
-          <a:ln>
+          <a:ln w="12700">
+            <a:solidFill>
+              <a:schemeClr val="tx1"/>
+            </a:solidFill>
             <a:tailEnd type="triangle"/>
           </a:ln>
         </p:spPr>
@@ -4172,7 +4181,10 @@
           <a:prstGeom prst="bentConnector2">
             <a:avLst/>
           </a:prstGeom>
-          <a:ln>
+          <a:ln w="12700">
+            <a:solidFill>
+              <a:schemeClr val="tx1"/>
+            </a:solidFill>
             <a:tailEnd type="triangle"/>
           </a:ln>
         </p:spPr>
@@ -4214,7 +4226,10 @@
           <a:prstGeom prst="bentConnector2">
             <a:avLst/>
           </a:prstGeom>
-          <a:ln>
+          <a:ln w="12700">
+            <a:solidFill>
+              <a:schemeClr val="tx1"/>
+            </a:solidFill>
             <a:tailEnd type="triangle"/>
           </a:ln>
         </p:spPr>
@@ -4256,7 +4271,10 @@
           <a:prstGeom prst="bentConnector2">
             <a:avLst/>
           </a:prstGeom>
-          <a:ln>
+          <a:ln w="12700">
+            <a:solidFill>
+              <a:schemeClr val="tx1"/>
+            </a:solidFill>
             <a:tailEnd type="triangle"/>
           </a:ln>
         </p:spPr>
@@ -4298,7 +4316,10 @@
           <a:prstGeom prst="bentConnector2">
             <a:avLst/>
           </a:prstGeom>
-          <a:ln>
+          <a:ln w="12700">
+            <a:solidFill>
+              <a:schemeClr val="tx1"/>
+            </a:solidFill>
             <a:tailEnd type="triangle"/>
           </a:ln>
         </p:spPr>
@@ -4327,6 +4348,7 @@
             </a:extLst>
           </p:cNvPr>
           <p:cNvCxnSpPr>
+            <a:cxnSpLocks/>
             <a:stCxn id="6" idx="2"/>
             <a:endCxn id="37" idx="1"/>
           </p:cNvCxnSpPr>
@@ -4340,7 +4362,10 @@
           <a:prstGeom prst="bentConnector2">
             <a:avLst/>
           </a:prstGeom>
-          <a:ln>
+          <a:ln w="12700">
+            <a:solidFill>
+              <a:schemeClr val="tx1"/>
+            </a:solidFill>
             <a:tailEnd type="triangle"/>
           </a:ln>
         </p:spPr>
@@ -4383,7 +4408,10 @@
           <a:prstGeom prst="bentConnector2">
             <a:avLst/>
           </a:prstGeom>
-          <a:ln>
+          <a:ln w="12700">
+            <a:solidFill>
+              <a:schemeClr val="tx1"/>
+            </a:solidFill>
             <a:tailEnd type="triangle"/>
           </a:ln>
         </p:spPr>
@@ -4425,7 +4453,10 @@
           <a:prstGeom prst="bentConnector2">
             <a:avLst/>
           </a:prstGeom>
-          <a:ln>
+          <a:ln w="12700">
+            <a:solidFill>
+              <a:schemeClr val="tx1"/>
+            </a:solidFill>
             <a:tailEnd type="triangle"/>
           </a:ln>
         </p:spPr>
@@ -4467,7 +4498,10 @@
           <a:prstGeom prst="bentConnector2">
             <a:avLst/>
           </a:prstGeom>
-          <a:ln>
+          <a:ln w="12700">
+            <a:solidFill>
+              <a:schemeClr val="tx1"/>
+            </a:solidFill>
             <a:tailEnd type="triangle"/>
           </a:ln>
         </p:spPr>
@@ -4509,7 +4543,10 @@
           <a:prstGeom prst="bentConnector2">
             <a:avLst/>
           </a:prstGeom>
-          <a:ln>
+          <a:ln w="12700">
+            <a:solidFill>
+              <a:schemeClr val="tx1"/>
+            </a:solidFill>
             <a:tailEnd type="triangle"/>
           </a:ln>
         </p:spPr>
@@ -4731,7 +4768,10 @@
           <a:prstGeom prst="bentConnector2">
             <a:avLst/>
           </a:prstGeom>
-          <a:ln>
+          <a:ln w="12700">
+            <a:solidFill>
+              <a:schemeClr val="tx1"/>
+            </a:solidFill>
             <a:tailEnd type="triangle"/>
           </a:ln>
         </p:spPr>
@@ -4773,7 +4813,10 @@
           <a:prstGeom prst="bentConnector2">
             <a:avLst/>
           </a:prstGeom>
-          <a:ln>
+          <a:ln w="12700">
+            <a:solidFill>
+              <a:schemeClr val="tx1"/>
+            </a:solidFill>
             <a:tailEnd type="triangle"/>
           </a:ln>
         </p:spPr>
@@ -4815,7 +4858,10 @@
           <a:prstGeom prst="bentConnector2">
             <a:avLst/>
           </a:prstGeom>
-          <a:ln>
+          <a:ln w="12700">
+            <a:solidFill>
+              <a:schemeClr val="tx1"/>
+            </a:solidFill>
             <a:tailEnd type="triangle"/>
           </a:ln>
         </p:spPr>
@@ -5000,7 +5046,10 @@
           <a:prstGeom prst="bentConnector2">
             <a:avLst/>
           </a:prstGeom>
-          <a:ln>
+          <a:ln w="12700">
+            <a:solidFill>
+              <a:schemeClr val="tx1"/>
+            </a:solidFill>
             <a:tailEnd type="triangle"/>
           </a:ln>
         </p:spPr>
@@ -5042,7 +5091,10 @@
           <a:prstGeom prst="bentConnector2">
             <a:avLst/>
           </a:prstGeom>
-          <a:ln>
+          <a:ln w="12700">
+            <a:solidFill>
+              <a:schemeClr val="tx1"/>
+            </a:solidFill>
             <a:tailEnd type="triangle"/>
           </a:ln>
         </p:spPr>
@@ -5075,7 +5127,7 @@
         </p:nvSpPr>
         <p:spPr>
           <a:xfrm>
-            <a:off x="1096887" y="1440494"/>
+            <a:off x="4053787" y="5149176"/>
             <a:ext cx="1235993" cy="474470"/>
           </a:xfrm>
           <a:prstGeom prst="rect">
@@ -5121,20 +5173,23 @@
           </p:cNvPr>
           <p:cNvCxnSpPr>
             <a:cxnSpLocks/>
-            <a:stCxn id="4" idx="2"/>
+            <a:stCxn id="96" idx="2"/>
             <a:endCxn id="105" idx="0"/>
           </p:cNvCxnSpPr>
           <p:nvPr/>
         </p:nvCxnSpPr>
         <p:spPr>
           <a:xfrm>
-            <a:off x="1714884" y="1089121"/>
-            <a:ext cx="0" cy="351373"/>
+            <a:off x="4671784" y="4510872"/>
+            <a:ext cx="0" cy="638304"/>
           </a:xfrm>
           <a:prstGeom prst="straightConnector1">
             <a:avLst/>
           </a:prstGeom>
-          <a:ln>
+          <a:ln w="12700">
+            <a:solidFill>
+              <a:schemeClr val="tx1"/>
+            </a:solidFill>
             <a:tailEnd type="triangle"/>
           </a:ln>
         </p:spPr>
@@ -5287,7 +5342,10 @@
               <a:gd name="adj1" fmla="val 71187"/>
             </a:avLst>
           </a:prstGeom>
-          <a:ln>
+          <a:ln w="12700">
+            <a:solidFill>
+              <a:schemeClr val="tx1"/>
+            </a:solidFill>
             <a:tailEnd type="triangle"/>
           </a:ln>
         </p:spPr>
@@ -5381,7 +5439,10 @@
           <a:prstGeom prst="straightConnector1">
             <a:avLst/>
           </a:prstGeom>
-          <a:ln>
+          <a:ln w="12700">
+            <a:solidFill>
+              <a:schemeClr val="tx1"/>
+            </a:solidFill>
             <a:tailEnd type="triangle"/>
           </a:ln>
         </p:spPr>

--- a/docs/Design/MG/MG_graph.pptx
+++ b/docs/Design/MG/MG_graph.pptx
@@ -3656,508 +3656,487 @@
           </a:fontRef>
         </p:style>
       </p:cxnSp>
-      <p:grpSp>
-        <p:nvGrpSpPr>
-          <p:cNvPr id="45" name="Group 44">
-            <a:extLst>
-              <a:ext uri="{FF2B5EF4-FFF2-40B4-BE49-F238E27FC236}">
-                <a16:creationId xmlns:a16="http://schemas.microsoft.com/office/drawing/2014/main" id="{F4CFEB1A-F8C9-42D5-BC68-5E35B5266443}"/>
-              </a:ext>
-            </a:extLst>
-          </p:cNvPr>
-          <p:cNvGrpSpPr/>
-          <p:nvPr/>
-        </p:nvGrpSpPr>
-        <p:grpSpPr>
+      <p:sp>
+        <p:nvSpPr>
+          <p:cNvPr id="21" name="Rectangle 20">
+            <a:extLst>
+              <a:ext uri="{FF2B5EF4-FFF2-40B4-BE49-F238E27FC236}">
+                <a16:creationId xmlns:a16="http://schemas.microsoft.com/office/drawing/2014/main" id="{CC94D03E-98F7-6B75-E221-E6306CE33A09}"/>
+              </a:ext>
+            </a:extLst>
+          </p:cNvPr>
+          <p:cNvSpPr/>
+          <p:nvPr/>
+        </p:nvSpPr>
+        <p:spPr>
           <a:xfrm>
-            <a:off x="7435576" y="1438302"/>
-            <a:ext cx="2435006" cy="5118954"/>
-            <a:chOff x="1892567" y="1576045"/>
-            <a:chExt cx="2162934" cy="4546994"/>
-          </a:xfrm>
-        </p:grpSpPr>
-        <p:sp>
-          <p:nvSpPr>
-            <p:cNvPr id="21" name="Rectangle 20">
-              <a:extLst>
-                <a:ext uri="{FF2B5EF4-FFF2-40B4-BE49-F238E27FC236}">
-                  <a16:creationId xmlns:a16="http://schemas.microsoft.com/office/drawing/2014/main" id="{CC94D03E-98F7-6B75-E221-E6306CE33A09}"/>
-                </a:ext>
-              </a:extLst>
-            </p:cNvPr>
-            <p:cNvSpPr/>
-            <p:nvPr/>
-          </p:nvSpPr>
-          <p:spPr>
-            <a:xfrm>
-              <a:off x="1892568" y="4154819"/>
-              <a:ext cx="1686922" cy="423403"/>
-            </a:xfrm>
-            <a:prstGeom prst="rect">
-              <a:avLst/>
-            </a:prstGeom>
-          </p:spPr>
-          <p:style>
-            <a:lnRef idx="2">
-              <a:schemeClr val="accent6">
-                <a:shade val="50000"/>
-              </a:schemeClr>
-            </a:lnRef>
-            <a:fillRef idx="1">
-              <a:schemeClr val="accent6"/>
-            </a:fillRef>
-            <a:effectRef idx="0">
-              <a:schemeClr val="accent6"/>
-            </a:effectRef>
-            <a:fontRef idx="minor">
-              <a:schemeClr val="lt1"/>
-            </a:fontRef>
-          </p:style>
-          <p:txBody>
-            <a:bodyPr rtlCol="0" anchor="ctr"/>
-            <a:lstStyle/>
-            <a:p>
-              <a:pPr algn="ctr"/>
-              <a:r>
-                <a:rPr lang="en-CA" sz="1600" dirty="0"/>
-                <a:t>Draw </a:t>
-              </a:r>
-              <a:r>
-                <a:rPr lang="en-CA" sz="1600" dirty="0" err="1"/>
-                <a:t>SpotLayout</a:t>
-              </a:r>
-              <a:endParaRPr lang="en-CA" sz="1600" dirty="0"/>
-            </a:p>
-          </p:txBody>
-        </p:sp>
-        <p:sp>
-          <p:nvSpPr>
-            <p:cNvPr id="37" name="Rectangle 36">
-              <a:extLst>
-                <a:ext uri="{FF2B5EF4-FFF2-40B4-BE49-F238E27FC236}">
-                  <a16:creationId xmlns:a16="http://schemas.microsoft.com/office/drawing/2014/main" id="{9FDB0BC0-9BCE-6C8C-8AA9-830187FB2F74}"/>
-                </a:ext>
-              </a:extLst>
-            </p:cNvPr>
-            <p:cNvSpPr/>
-            <p:nvPr/>
-          </p:nvSpPr>
-          <p:spPr>
-            <a:xfrm>
-              <a:off x="1892568" y="4670264"/>
-              <a:ext cx="2162933" cy="423403"/>
-            </a:xfrm>
-            <a:prstGeom prst="rect">
-              <a:avLst/>
-            </a:prstGeom>
-          </p:spPr>
-          <p:style>
-            <a:lnRef idx="2">
-              <a:schemeClr val="accent6">
-                <a:shade val="50000"/>
-              </a:schemeClr>
-            </a:lnRef>
-            <a:fillRef idx="1">
-              <a:schemeClr val="accent6"/>
-            </a:fillRef>
-            <a:effectRef idx="0">
-              <a:schemeClr val="accent6"/>
-            </a:effectRef>
-            <a:fontRef idx="minor">
-              <a:schemeClr val="lt1"/>
-            </a:fontRef>
-          </p:style>
-          <p:txBody>
-            <a:bodyPr rtlCol="0" anchor="ctr"/>
-            <a:lstStyle/>
-            <a:p>
-              <a:pPr algn="ctr"/>
-              <a:r>
-                <a:rPr lang="en-CA" sz="1600" dirty="0"/>
-                <a:t>Draw </a:t>
-              </a:r>
-              <a:r>
-                <a:rPr lang="en-CA" sz="1600" dirty="0" err="1"/>
-                <a:t>SampledSubregion</a:t>
-              </a:r>
-              <a:endParaRPr lang="en-CA" sz="1600" dirty="0"/>
-            </a:p>
-          </p:txBody>
-        </p:sp>
-        <p:sp>
-          <p:nvSpPr>
-            <p:cNvPr id="38" name="Rectangle 37">
-              <a:extLst>
-                <a:ext uri="{FF2B5EF4-FFF2-40B4-BE49-F238E27FC236}">
-                  <a16:creationId xmlns:a16="http://schemas.microsoft.com/office/drawing/2014/main" id="{22FA84E8-79C5-1867-78C0-FF0DDAA663C7}"/>
-                </a:ext>
-              </a:extLst>
-            </p:cNvPr>
-            <p:cNvSpPr/>
-            <p:nvPr/>
-          </p:nvSpPr>
-          <p:spPr>
-            <a:xfrm>
-              <a:off x="1892568" y="5184950"/>
-              <a:ext cx="1953938" cy="423403"/>
-            </a:xfrm>
-            <a:prstGeom prst="rect">
-              <a:avLst/>
-            </a:prstGeom>
-          </p:spPr>
-          <p:style>
-            <a:lnRef idx="2">
-              <a:schemeClr val="accent6">
-                <a:shade val="50000"/>
-              </a:schemeClr>
-            </a:lnRef>
-            <a:fillRef idx="1">
-              <a:schemeClr val="accent6"/>
-            </a:fillRef>
-            <a:effectRef idx="0">
-              <a:schemeClr val="accent6"/>
-            </a:effectRef>
-            <a:fontRef idx="minor">
-              <a:schemeClr val="lt1"/>
-            </a:fontRef>
-          </p:style>
-          <p:txBody>
-            <a:bodyPr rtlCol="0" anchor="ctr"/>
-            <a:lstStyle/>
-            <a:p>
-              <a:pPr algn="ctr"/>
-              <a:r>
-                <a:rPr lang="en-CA" sz="1600" dirty="0"/>
-                <a:t>Draw </a:t>
-              </a:r>
-              <a:r>
-                <a:rPr lang="en-CA" sz="1600" dirty="0" err="1"/>
-                <a:t>ResultSubregion</a:t>
-              </a:r>
-              <a:endParaRPr lang="en-CA" sz="1600" dirty="0"/>
-            </a:p>
-          </p:txBody>
-        </p:sp>
-        <p:sp>
-          <p:nvSpPr>
-            <p:cNvPr id="39" name="Rectangle 38">
-              <a:extLst>
-                <a:ext uri="{FF2B5EF4-FFF2-40B4-BE49-F238E27FC236}">
-                  <a16:creationId xmlns:a16="http://schemas.microsoft.com/office/drawing/2014/main" id="{FB0CAB9D-9395-7F0B-D6DD-2B16C6279294}"/>
-                </a:ext>
-              </a:extLst>
-            </p:cNvPr>
-            <p:cNvSpPr/>
-            <p:nvPr/>
-          </p:nvSpPr>
-          <p:spPr>
-            <a:xfrm>
-              <a:off x="1892567" y="5699636"/>
-              <a:ext cx="1686922" cy="423403"/>
-            </a:xfrm>
-            <a:prstGeom prst="rect">
-              <a:avLst/>
-            </a:prstGeom>
-          </p:spPr>
-          <p:style>
-            <a:lnRef idx="2">
-              <a:schemeClr val="accent6">
-                <a:shade val="50000"/>
-              </a:schemeClr>
-            </a:lnRef>
-            <a:fillRef idx="1">
-              <a:schemeClr val="accent6"/>
-            </a:fillRef>
-            <a:effectRef idx="0">
-              <a:schemeClr val="accent6"/>
-            </a:effectRef>
-            <a:fontRef idx="minor">
-              <a:schemeClr val="lt1"/>
-            </a:fontRef>
-          </p:style>
-          <p:txBody>
-            <a:bodyPr rtlCol="0" anchor="ctr"/>
-            <a:lstStyle/>
-            <a:p>
-              <a:pPr algn="ctr"/>
-              <a:r>
-                <a:rPr lang="en-CA" sz="1600" dirty="0"/>
-                <a:t>Draw </a:t>
-              </a:r>
-              <a:r>
-                <a:rPr lang="en-CA" sz="1600" dirty="0" err="1"/>
-                <a:t>ResultImage</a:t>
-              </a:r>
-              <a:endParaRPr lang="en-CA" sz="1600" dirty="0"/>
-            </a:p>
-          </p:txBody>
-        </p:sp>
-        <p:sp>
-          <p:nvSpPr>
-            <p:cNvPr id="40" name="Rectangle 39">
-              <a:extLst>
-                <a:ext uri="{FF2B5EF4-FFF2-40B4-BE49-F238E27FC236}">
-                  <a16:creationId xmlns:a16="http://schemas.microsoft.com/office/drawing/2014/main" id="{80D5DB3B-C9CB-BAE4-7C36-F1E96FC6CE6F}"/>
-                </a:ext>
-              </a:extLst>
-            </p:cNvPr>
-            <p:cNvSpPr/>
-            <p:nvPr/>
-          </p:nvSpPr>
-          <p:spPr>
-            <a:xfrm>
-              <a:off x="1892568" y="3640133"/>
-              <a:ext cx="1686922" cy="423403"/>
-            </a:xfrm>
-            <a:prstGeom prst="rect">
-              <a:avLst/>
-            </a:prstGeom>
-          </p:spPr>
-          <p:style>
-            <a:lnRef idx="2">
-              <a:schemeClr val="accent6">
-                <a:shade val="50000"/>
-              </a:schemeClr>
-            </a:lnRef>
-            <a:fillRef idx="1">
-              <a:schemeClr val="accent6"/>
-            </a:fillRef>
-            <a:effectRef idx="0">
-              <a:schemeClr val="accent6"/>
-            </a:effectRef>
-            <a:fontRef idx="minor">
-              <a:schemeClr val="lt1"/>
-            </a:fontRef>
-          </p:style>
-          <p:txBody>
-            <a:bodyPr rtlCol="0" anchor="ctr"/>
-            <a:lstStyle/>
-            <a:p>
-              <a:pPr algn="ctr"/>
-              <a:r>
-                <a:rPr lang="en-CA" sz="1600" dirty="0"/>
-                <a:t>Draw </a:t>
-              </a:r>
-              <a:r>
-                <a:rPr lang="en-CA" sz="1600" dirty="0" err="1"/>
-                <a:t>SpotSignal</a:t>
-              </a:r>
-              <a:endParaRPr lang="en-CA" sz="1600" dirty="0"/>
-            </a:p>
-          </p:txBody>
-        </p:sp>
-        <p:sp>
-          <p:nvSpPr>
-            <p:cNvPr id="41" name="Rectangle 40">
-              <a:extLst>
-                <a:ext uri="{FF2B5EF4-FFF2-40B4-BE49-F238E27FC236}">
-                  <a16:creationId xmlns:a16="http://schemas.microsoft.com/office/drawing/2014/main" id="{D7E0CAB1-F5FF-8AA3-72C1-D7E50F08C8FC}"/>
-                </a:ext>
-              </a:extLst>
-            </p:cNvPr>
-            <p:cNvSpPr/>
-            <p:nvPr/>
-          </p:nvSpPr>
-          <p:spPr>
-            <a:xfrm>
-              <a:off x="1892568" y="2610002"/>
-              <a:ext cx="1686922" cy="423403"/>
-            </a:xfrm>
-            <a:prstGeom prst="rect">
-              <a:avLst/>
-            </a:prstGeom>
-          </p:spPr>
-          <p:style>
-            <a:lnRef idx="2">
-              <a:schemeClr val="accent6">
-                <a:shade val="50000"/>
-              </a:schemeClr>
-            </a:lnRef>
-            <a:fillRef idx="1">
-              <a:schemeClr val="accent6"/>
-            </a:fillRef>
-            <a:effectRef idx="0">
-              <a:schemeClr val="accent6"/>
-            </a:effectRef>
-            <a:fontRef idx="minor">
-              <a:schemeClr val="lt1"/>
-            </a:fontRef>
-          </p:style>
-          <p:txBody>
-            <a:bodyPr rtlCol="0" anchor="ctr"/>
-            <a:lstStyle/>
-            <a:p>
-              <a:pPr algn="ctr"/>
-              <a:r>
-                <a:rPr lang="en-CA" sz="1600" dirty="0"/>
-                <a:t>Draw </a:t>
-              </a:r>
-              <a:r>
-                <a:rPr lang="en-CA" sz="1600" dirty="0" err="1"/>
-                <a:t>SpotProfile</a:t>
-              </a:r>
-              <a:endParaRPr lang="en-CA" sz="1600" dirty="0"/>
-            </a:p>
-          </p:txBody>
-        </p:sp>
-        <p:sp>
-          <p:nvSpPr>
-            <p:cNvPr id="42" name="Rectangle 41">
-              <a:extLst>
-                <a:ext uri="{FF2B5EF4-FFF2-40B4-BE49-F238E27FC236}">
-                  <a16:creationId xmlns:a16="http://schemas.microsoft.com/office/drawing/2014/main" id="{D19A3CCF-C298-ECAA-9164-C2A9AD7EA1D4}"/>
-                </a:ext>
-              </a:extLst>
-            </p:cNvPr>
-            <p:cNvSpPr/>
-            <p:nvPr/>
-          </p:nvSpPr>
-          <p:spPr>
-            <a:xfrm>
-              <a:off x="1892568" y="3125447"/>
-              <a:ext cx="1686922" cy="423403"/>
-            </a:xfrm>
-            <a:prstGeom prst="rect">
-              <a:avLst/>
-            </a:prstGeom>
-          </p:spPr>
-          <p:style>
-            <a:lnRef idx="2">
-              <a:schemeClr val="accent6">
-                <a:shade val="50000"/>
-              </a:schemeClr>
-            </a:lnRef>
-            <a:fillRef idx="1">
-              <a:schemeClr val="accent6"/>
-            </a:fillRef>
-            <a:effectRef idx="0">
-              <a:schemeClr val="accent6"/>
-            </a:effectRef>
-            <a:fontRef idx="minor">
-              <a:schemeClr val="lt1"/>
-            </a:fontRef>
-          </p:style>
-          <p:txBody>
-            <a:bodyPr rtlCol="0" anchor="ctr"/>
-            <a:lstStyle/>
-            <a:p>
-              <a:pPr algn="ctr"/>
-              <a:r>
-                <a:rPr lang="en-CA" sz="1600" dirty="0"/>
-                <a:t>Draw </a:t>
-              </a:r>
-              <a:r>
-                <a:rPr lang="en-CA" sz="1600" dirty="0" err="1"/>
-                <a:t>SpotContent</a:t>
-              </a:r>
-              <a:endParaRPr lang="en-CA" sz="1600" dirty="0"/>
-            </a:p>
-          </p:txBody>
-        </p:sp>
-        <p:sp>
-          <p:nvSpPr>
-            <p:cNvPr id="43" name="Rectangle 42">
-              <a:extLst>
-                <a:ext uri="{FF2B5EF4-FFF2-40B4-BE49-F238E27FC236}">
-                  <a16:creationId xmlns:a16="http://schemas.microsoft.com/office/drawing/2014/main" id="{447A3F3E-1FE0-B5FF-CF51-9EF1F27EB7C4}"/>
-                </a:ext>
-              </a:extLst>
-            </p:cNvPr>
-            <p:cNvSpPr/>
-            <p:nvPr/>
-          </p:nvSpPr>
-          <p:spPr>
-            <a:xfrm>
-              <a:off x="1892568" y="2092047"/>
-              <a:ext cx="1686922" cy="423403"/>
-            </a:xfrm>
-            <a:prstGeom prst="rect">
-              <a:avLst/>
-            </a:prstGeom>
-          </p:spPr>
-          <p:style>
-            <a:lnRef idx="2">
-              <a:schemeClr val="accent6">
-                <a:shade val="50000"/>
-              </a:schemeClr>
-            </a:lnRef>
-            <a:fillRef idx="1">
-              <a:schemeClr val="accent6"/>
-            </a:fillRef>
-            <a:effectRef idx="0">
-              <a:schemeClr val="accent6"/>
-            </a:effectRef>
-            <a:fontRef idx="minor">
-              <a:schemeClr val="lt1"/>
-            </a:fontRef>
-          </p:style>
-          <p:txBody>
-            <a:bodyPr rtlCol="0" anchor="ctr"/>
-            <a:lstStyle/>
-            <a:p>
-              <a:pPr algn="ctr"/>
-              <a:r>
-                <a:rPr lang="en-CA" sz="1600" dirty="0"/>
-                <a:t>Draw Subregion</a:t>
-              </a:r>
-            </a:p>
-          </p:txBody>
-        </p:sp>
-        <p:sp>
-          <p:nvSpPr>
-            <p:cNvPr id="44" name="Rectangle 43">
-              <a:extLst>
-                <a:ext uri="{FF2B5EF4-FFF2-40B4-BE49-F238E27FC236}">
-                  <a16:creationId xmlns:a16="http://schemas.microsoft.com/office/drawing/2014/main" id="{D5B08AB5-5693-CEB9-3025-E5D2F7141739}"/>
-                </a:ext>
-              </a:extLst>
-            </p:cNvPr>
-            <p:cNvSpPr/>
-            <p:nvPr/>
-          </p:nvSpPr>
-          <p:spPr>
-            <a:xfrm>
-              <a:off x="1892568" y="1576045"/>
-              <a:ext cx="1686922" cy="423403"/>
-            </a:xfrm>
-            <a:prstGeom prst="rect">
-              <a:avLst/>
-            </a:prstGeom>
-          </p:spPr>
-          <p:style>
-            <a:lnRef idx="2">
-              <a:schemeClr val="accent6">
-                <a:shade val="50000"/>
-              </a:schemeClr>
-            </a:lnRef>
-            <a:fillRef idx="1">
-              <a:schemeClr val="accent6"/>
-            </a:fillRef>
-            <a:effectRef idx="0">
-              <a:schemeClr val="accent6"/>
-            </a:effectRef>
-            <a:fontRef idx="minor">
-              <a:schemeClr val="lt1"/>
-            </a:fontRef>
-          </p:style>
-          <p:txBody>
-            <a:bodyPr rtlCol="0" anchor="ctr"/>
-            <a:lstStyle/>
-            <a:p>
-              <a:pPr algn="ctr"/>
-              <a:r>
-                <a:rPr lang="en-CA" sz="1600" dirty="0"/>
-                <a:t>Draw </a:t>
-              </a:r>
-              <a:r>
-                <a:rPr lang="en-CA" sz="1600" dirty="0" err="1"/>
-                <a:t>GroundTruth</a:t>
-              </a:r>
-              <a:endParaRPr lang="en-CA" sz="1600" dirty="0"/>
-            </a:p>
-          </p:txBody>
-        </p:sp>
-      </p:grpSp>
+            <a:off x="7435577" y="4341456"/>
+            <a:ext cx="1899117" cy="476662"/>
+          </a:xfrm>
+          <a:prstGeom prst="rect">
+            <a:avLst/>
+          </a:prstGeom>
+        </p:spPr>
+        <p:style>
+          <a:lnRef idx="2">
+            <a:schemeClr val="accent6">
+              <a:shade val="50000"/>
+            </a:schemeClr>
+          </a:lnRef>
+          <a:fillRef idx="1">
+            <a:schemeClr val="accent6"/>
+          </a:fillRef>
+          <a:effectRef idx="0">
+            <a:schemeClr val="accent6"/>
+          </a:effectRef>
+          <a:fontRef idx="minor">
+            <a:schemeClr val="lt1"/>
+          </a:fontRef>
+        </p:style>
+        <p:txBody>
+          <a:bodyPr rtlCol="0" anchor="ctr"/>
+          <a:lstStyle/>
+          <a:p>
+            <a:pPr algn="ctr"/>
+            <a:r>
+              <a:rPr lang="en-CA" sz="1600" dirty="0"/>
+              <a:t>Draw </a:t>
+            </a:r>
+            <a:r>
+              <a:rPr lang="en-CA" sz="1600" dirty="0" err="1"/>
+              <a:t>SpotLayout</a:t>
+            </a:r>
+            <a:endParaRPr lang="en-CA" sz="1600" dirty="0"/>
+          </a:p>
+        </p:txBody>
+      </p:sp>
+      <p:sp>
+        <p:nvSpPr>
+          <p:cNvPr id="37" name="Rectangle 36">
+            <a:extLst>
+              <a:ext uri="{FF2B5EF4-FFF2-40B4-BE49-F238E27FC236}">
+                <a16:creationId xmlns:a16="http://schemas.microsoft.com/office/drawing/2014/main" id="{9FDB0BC0-9BCE-6C8C-8AA9-830187FB2F74}"/>
+              </a:ext>
+            </a:extLst>
+          </p:cNvPr>
+          <p:cNvSpPr/>
+          <p:nvPr/>
+        </p:nvSpPr>
+        <p:spPr>
+          <a:xfrm>
+            <a:off x="7435577" y="4921738"/>
+            <a:ext cx="2435005" cy="476662"/>
+          </a:xfrm>
+          <a:prstGeom prst="rect">
+            <a:avLst/>
+          </a:prstGeom>
+        </p:spPr>
+        <p:style>
+          <a:lnRef idx="2">
+            <a:schemeClr val="accent6">
+              <a:shade val="50000"/>
+            </a:schemeClr>
+          </a:lnRef>
+          <a:fillRef idx="1">
+            <a:schemeClr val="accent6"/>
+          </a:fillRef>
+          <a:effectRef idx="0">
+            <a:schemeClr val="accent6"/>
+          </a:effectRef>
+          <a:fontRef idx="minor">
+            <a:schemeClr val="lt1"/>
+          </a:fontRef>
+        </p:style>
+        <p:txBody>
+          <a:bodyPr rtlCol="0" anchor="ctr"/>
+          <a:lstStyle/>
+          <a:p>
+            <a:pPr algn="ctr"/>
+            <a:r>
+              <a:rPr lang="en-CA" sz="1600" dirty="0"/>
+              <a:t>Draw </a:t>
+            </a:r>
+            <a:r>
+              <a:rPr lang="en-CA" sz="1600" dirty="0" err="1"/>
+              <a:t>SampledSubregion</a:t>
+            </a:r>
+            <a:endParaRPr lang="en-CA" sz="1600" dirty="0"/>
+          </a:p>
+        </p:txBody>
+      </p:sp>
+      <p:sp>
+        <p:nvSpPr>
+          <p:cNvPr id="38" name="Rectangle 37">
+            <a:extLst>
+              <a:ext uri="{FF2B5EF4-FFF2-40B4-BE49-F238E27FC236}">
+                <a16:creationId xmlns:a16="http://schemas.microsoft.com/office/drawing/2014/main" id="{22FA84E8-79C5-1867-78C0-FF0DDAA663C7}"/>
+              </a:ext>
+            </a:extLst>
+          </p:cNvPr>
+          <p:cNvSpPr/>
+          <p:nvPr/>
+        </p:nvSpPr>
+        <p:spPr>
+          <a:xfrm>
+            <a:off x="7435577" y="5501166"/>
+            <a:ext cx="2199721" cy="476662"/>
+          </a:xfrm>
+          <a:prstGeom prst="rect">
+            <a:avLst/>
+          </a:prstGeom>
+        </p:spPr>
+        <p:style>
+          <a:lnRef idx="2">
+            <a:schemeClr val="accent6">
+              <a:shade val="50000"/>
+            </a:schemeClr>
+          </a:lnRef>
+          <a:fillRef idx="1">
+            <a:schemeClr val="accent6"/>
+          </a:fillRef>
+          <a:effectRef idx="0">
+            <a:schemeClr val="accent6"/>
+          </a:effectRef>
+          <a:fontRef idx="minor">
+            <a:schemeClr val="lt1"/>
+          </a:fontRef>
+        </p:style>
+        <p:txBody>
+          <a:bodyPr rtlCol="0" anchor="ctr"/>
+          <a:lstStyle/>
+          <a:p>
+            <a:pPr algn="ctr"/>
+            <a:r>
+              <a:rPr lang="en-CA" sz="1600" dirty="0"/>
+              <a:t>Draw </a:t>
+            </a:r>
+            <a:r>
+              <a:rPr lang="en-CA" sz="1600" dirty="0" err="1"/>
+              <a:t>ResultSubregion</a:t>
+            </a:r>
+            <a:endParaRPr lang="en-CA" sz="1600" dirty="0"/>
+          </a:p>
+        </p:txBody>
+      </p:sp>
+      <p:sp>
+        <p:nvSpPr>
+          <p:cNvPr id="39" name="Rectangle 38">
+            <a:extLst>
+              <a:ext uri="{FF2B5EF4-FFF2-40B4-BE49-F238E27FC236}">
+                <a16:creationId xmlns:a16="http://schemas.microsoft.com/office/drawing/2014/main" id="{FB0CAB9D-9395-7F0B-D6DD-2B16C6279294}"/>
+              </a:ext>
+            </a:extLst>
+          </p:cNvPr>
+          <p:cNvSpPr/>
+          <p:nvPr/>
+        </p:nvSpPr>
+        <p:spPr>
+          <a:xfrm>
+            <a:off x="7435576" y="6080594"/>
+            <a:ext cx="1899117" cy="476662"/>
+          </a:xfrm>
+          <a:prstGeom prst="rect">
+            <a:avLst/>
+          </a:prstGeom>
+        </p:spPr>
+        <p:style>
+          <a:lnRef idx="2">
+            <a:schemeClr val="accent6">
+              <a:shade val="50000"/>
+            </a:schemeClr>
+          </a:lnRef>
+          <a:fillRef idx="1">
+            <a:schemeClr val="accent6"/>
+          </a:fillRef>
+          <a:effectRef idx="0">
+            <a:schemeClr val="accent6"/>
+          </a:effectRef>
+          <a:fontRef idx="minor">
+            <a:schemeClr val="lt1"/>
+          </a:fontRef>
+        </p:style>
+        <p:txBody>
+          <a:bodyPr rtlCol="0" anchor="ctr"/>
+          <a:lstStyle/>
+          <a:p>
+            <a:pPr algn="ctr"/>
+            <a:r>
+              <a:rPr lang="en-CA" sz="1600" dirty="0"/>
+              <a:t>Draw </a:t>
+            </a:r>
+            <a:r>
+              <a:rPr lang="en-CA" sz="1600" dirty="0" err="1"/>
+              <a:t>ResultImage</a:t>
+            </a:r>
+            <a:endParaRPr lang="en-CA" sz="1600" dirty="0"/>
+          </a:p>
+        </p:txBody>
+      </p:sp>
+      <p:sp>
+        <p:nvSpPr>
+          <p:cNvPr id="40" name="Rectangle 39">
+            <a:extLst>
+              <a:ext uri="{FF2B5EF4-FFF2-40B4-BE49-F238E27FC236}">
+                <a16:creationId xmlns:a16="http://schemas.microsoft.com/office/drawing/2014/main" id="{80D5DB3B-C9CB-BAE4-7C36-F1E96FC6CE6F}"/>
+              </a:ext>
+            </a:extLst>
+          </p:cNvPr>
+          <p:cNvSpPr/>
+          <p:nvPr/>
+        </p:nvSpPr>
+        <p:spPr>
+          <a:xfrm>
+            <a:off x="7435577" y="3762029"/>
+            <a:ext cx="1899117" cy="476662"/>
+          </a:xfrm>
+          <a:prstGeom prst="rect">
+            <a:avLst/>
+          </a:prstGeom>
+        </p:spPr>
+        <p:style>
+          <a:lnRef idx="2">
+            <a:schemeClr val="accent6">
+              <a:shade val="50000"/>
+            </a:schemeClr>
+          </a:lnRef>
+          <a:fillRef idx="1">
+            <a:schemeClr val="accent6"/>
+          </a:fillRef>
+          <a:effectRef idx="0">
+            <a:schemeClr val="accent6"/>
+          </a:effectRef>
+          <a:fontRef idx="minor">
+            <a:schemeClr val="lt1"/>
+          </a:fontRef>
+        </p:style>
+        <p:txBody>
+          <a:bodyPr rtlCol="0" anchor="ctr"/>
+          <a:lstStyle/>
+          <a:p>
+            <a:pPr algn="ctr"/>
+            <a:r>
+              <a:rPr lang="en-CA" sz="1600" dirty="0"/>
+              <a:t>Draw </a:t>
+            </a:r>
+            <a:r>
+              <a:rPr lang="en-CA" sz="1600" dirty="0" err="1"/>
+              <a:t>SpotSignal</a:t>
+            </a:r>
+            <a:endParaRPr lang="en-CA" sz="1600" dirty="0"/>
+          </a:p>
+        </p:txBody>
+      </p:sp>
+      <p:sp>
+        <p:nvSpPr>
+          <p:cNvPr id="41" name="Rectangle 40">
+            <a:extLst>
+              <a:ext uri="{FF2B5EF4-FFF2-40B4-BE49-F238E27FC236}">
+                <a16:creationId xmlns:a16="http://schemas.microsoft.com/office/drawing/2014/main" id="{D7E0CAB1-F5FF-8AA3-72C1-D7E50F08C8FC}"/>
+              </a:ext>
+            </a:extLst>
+          </p:cNvPr>
+          <p:cNvSpPr/>
+          <p:nvPr/>
+        </p:nvSpPr>
+        <p:spPr>
+          <a:xfrm>
+            <a:off x="7435577" y="2602319"/>
+            <a:ext cx="1899117" cy="476662"/>
+          </a:xfrm>
+          <a:prstGeom prst="rect">
+            <a:avLst/>
+          </a:prstGeom>
+        </p:spPr>
+        <p:style>
+          <a:lnRef idx="2">
+            <a:schemeClr val="accent6">
+              <a:shade val="50000"/>
+            </a:schemeClr>
+          </a:lnRef>
+          <a:fillRef idx="1">
+            <a:schemeClr val="accent6"/>
+          </a:fillRef>
+          <a:effectRef idx="0">
+            <a:schemeClr val="accent6"/>
+          </a:effectRef>
+          <a:fontRef idx="minor">
+            <a:schemeClr val="lt1"/>
+          </a:fontRef>
+        </p:style>
+        <p:txBody>
+          <a:bodyPr rtlCol="0" anchor="ctr"/>
+          <a:lstStyle/>
+          <a:p>
+            <a:pPr algn="ctr"/>
+            <a:r>
+              <a:rPr lang="en-CA" sz="1600" dirty="0"/>
+              <a:t>Draw </a:t>
+            </a:r>
+            <a:r>
+              <a:rPr lang="en-CA" sz="1600" dirty="0" err="1"/>
+              <a:t>SpotProfile</a:t>
+            </a:r>
+            <a:endParaRPr lang="en-CA" sz="1600" dirty="0"/>
+          </a:p>
+        </p:txBody>
+      </p:sp>
+      <p:sp>
+        <p:nvSpPr>
+          <p:cNvPr id="42" name="Rectangle 41">
+            <a:extLst>
+              <a:ext uri="{FF2B5EF4-FFF2-40B4-BE49-F238E27FC236}">
+                <a16:creationId xmlns:a16="http://schemas.microsoft.com/office/drawing/2014/main" id="{D19A3CCF-C298-ECAA-9164-C2A9AD7EA1D4}"/>
+              </a:ext>
+            </a:extLst>
+          </p:cNvPr>
+          <p:cNvSpPr/>
+          <p:nvPr/>
+        </p:nvSpPr>
+        <p:spPr>
+          <a:xfrm>
+            <a:off x="7435577" y="3182601"/>
+            <a:ext cx="1899117" cy="476662"/>
+          </a:xfrm>
+          <a:prstGeom prst="rect">
+            <a:avLst/>
+          </a:prstGeom>
+        </p:spPr>
+        <p:style>
+          <a:lnRef idx="2">
+            <a:schemeClr val="accent6">
+              <a:shade val="50000"/>
+            </a:schemeClr>
+          </a:lnRef>
+          <a:fillRef idx="1">
+            <a:schemeClr val="accent6"/>
+          </a:fillRef>
+          <a:effectRef idx="0">
+            <a:schemeClr val="accent6"/>
+          </a:effectRef>
+          <a:fontRef idx="minor">
+            <a:schemeClr val="lt1"/>
+          </a:fontRef>
+        </p:style>
+        <p:txBody>
+          <a:bodyPr rtlCol="0" anchor="ctr"/>
+          <a:lstStyle/>
+          <a:p>
+            <a:pPr algn="ctr"/>
+            <a:r>
+              <a:rPr lang="en-CA" sz="1600" dirty="0"/>
+              <a:t>Draw </a:t>
+            </a:r>
+            <a:r>
+              <a:rPr lang="en-CA" sz="1600" dirty="0" err="1"/>
+              <a:t>SpotContent</a:t>
+            </a:r>
+            <a:endParaRPr lang="en-CA" sz="1600" dirty="0"/>
+          </a:p>
+        </p:txBody>
+      </p:sp>
+      <p:sp>
+        <p:nvSpPr>
+          <p:cNvPr id="43" name="Rectangle 42">
+            <a:extLst>
+              <a:ext uri="{FF2B5EF4-FFF2-40B4-BE49-F238E27FC236}">
+                <a16:creationId xmlns:a16="http://schemas.microsoft.com/office/drawing/2014/main" id="{447A3F3E-1FE0-B5FF-CF51-9EF1F27EB7C4}"/>
+              </a:ext>
+            </a:extLst>
+          </p:cNvPr>
+          <p:cNvSpPr/>
+          <p:nvPr/>
+        </p:nvSpPr>
+        <p:spPr>
+          <a:xfrm>
+            <a:off x="7435577" y="2019211"/>
+            <a:ext cx="1899117" cy="476662"/>
+          </a:xfrm>
+          <a:prstGeom prst="rect">
+            <a:avLst/>
+          </a:prstGeom>
+        </p:spPr>
+        <p:style>
+          <a:lnRef idx="2">
+            <a:schemeClr val="accent6">
+              <a:shade val="50000"/>
+            </a:schemeClr>
+          </a:lnRef>
+          <a:fillRef idx="1">
+            <a:schemeClr val="accent6"/>
+          </a:fillRef>
+          <a:effectRef idx="0">
+            <a:schemeClr val="accent6"/>
+          </a:effectRef>
+          <a:fontRef idx="minor">
+            <a:schemeClr val="lt1"/>
+          </a:fontRef>
+        </p:style>
+        <p:txBody>
+          <a:bodyPr rtlCol="0" anchor="ctr"/>
+          <a:lstStyle/>
+          <a:p>
+            <a:pPr algn="ctr"/>
+            <a:r>
+              <a:rPr lang="en-CA" sz="1600" dirty="0"/>
+              <a:t>Draw Subregion</a:t>
+            </a:r>
+          </a:p>
+        </p:txBody>
+      </p:sp>
+      <p:sp>
+        <p:nvSpPr>
+          <p:cNvPr id="44" name="Rectangle 43">
+            <a:extLst>
+              <a:ext uri="{FF2B5EF4-FFF2-40B4-BE49-F238E27FC236}">
+                <a16:creationId xmlns:a16="http://schemas.microsoft.com/office/drawing/2014/main" id="{D5B08AB5-5693-CEB9-3025-E5D2F7141739}"/>
+              </a:ext>
+            </a:extLst>
+          </p:cNvPr>
+          <p:cNvSpPr/>
+          <p:nvPr/>
+        </p:nvSpPr>
+        <p:spPr>
+          <a:xfrm>
+            <a:off x="7435577" y="1438302"/>
+            <a:ext cx="1899117" cy="476662"/>
+          </a:xfrm>
+          <a:prstGeom prst="rect">
+            <a:avLst/>
+          </a:prstGeom>
+        </p:spPr>
+        <p:style>
+          <a:lnRef idx="2">
+            <a:schemeClr val="accent6">
+              <a:shade val="50000"/>
+            </a:schemeClr>
+          </a:lnRef>
+          <a:fillRef idx="1">
+            <a:schemeClr val="accent6"/>
+          </a:fillRef>
+          <a:effectRef idx="0">
+            <a:schemeClr val="accent6"/>
+          </a:effectRef>
+          <a:fontRef idx="minor">
+            <a:schemeClr val="lt1"/>
+          </a:fontRef>
+        </p:style>
+        <p:txBody>
+          <a:bodyPr rtlCol="0" anchor="ctr"/>
+          <a:lstStyle/>
+          <a:p>
+            <a:pPr algn="ctr"/>
+            <a:r>
+              <a:rPr lang="en-CA" sz="1600" dirty="0"/>
+              <a:t>Draw </a:t>
+            </a:r>
+            <a:r>
+              <a:rPr lang="en-CA" sz="1600" dirty="0" err="1"/>
+              <a:t>GroundTruth</a:t>
+            </a:r>
+            <a:endParaRPr lang="en-CA" sz="1600" dirty="0"/>
+          </a:p>
+        </p:txBody>
+      </p:sp>
       <p:cxnSp>
         <p:nvCxnSpPr>
           <p:cNvPr id="51" name="Connector: Elbow 50">
@@ -5384,6 +5363,12 @@
           <a:prstGeom prst="rect">
             <a:avLst/>
           </a:prstGeom>
+          <a:ln w="19050">
+            <a:solidFill>
+              <a:srgbClr val="FF0000"/>
+            </a:solidFill>
+            <a:prstDash val="dash"/>
+          </a:ln>
         </p:spPr>
         <p:style>
           <a:lnRef idx="2">
@@ -5443,6 +5428,474 @@
             <a:solidFill>
               <a:schemeClr val="tx1"/>
             </a:solidFill>
+            <a:tailEnd type="triangle"/>
+          </a:ln>
+        </p:spPr>
+        <p:style>
+          <a:lnRef idx="1">
+            <a:schemeClr val="accent1"/>
+          </a:lnRef>
+          <a:fillRef idx="0">
+            <a:schemeClr val="accent1"/>
+          </a:fillRef>
+          <a:effectRef idx="0">
+            <a:schemeClr val="accent1"/>
+          </a:effectRef>
+          <a:fontRef idx="minor">
+            <a:schemeClr val="tx1"/>
+          </a:fontRef>
+        </p:style>
+      </p:cxnSp>
+      <p:cxnSp>
+        <p:nvCxnSpPr>
+          <p:cNvPr id="36" name="Connector: Elbow 35">
+            <a:extLst>
+              <a:ext uri="{FF2B5EF4-FFF2-40B4-BE49-F238E27FC236}">
+                <a16:creationId xmlns:a16="http://schemas.microsoft.com/office/drawing/2014/main" id="{BF4CC66B-6B16-D752-0F94-F91D7FFA5436}"/>
+              </a:ext>
+            </a:extLst>
+          </p:cNvPr>
+          <p:cNvCxnSpPr>
+            <a:cxnSpLocks/>
+            <a:stCxn id="43" idx="3"/>
+            <a:endCxn id="2" idx="2"/>
+          </p:cNvCxnSpPr>
+          <p:nvPr/>
+        </p:nvCxnSpPr>
+        <p:spPr>
+          <a:xfrm flipV="1">
+            <a:off x="9334694" y="1034933"/>
+            <a:ext cx="837365" cy="1222609"/>
+          </a:xfrm>
+          <a:prstGeom prst="bentConnector2">
+            <a:avLst/>
+          </a:prstGeom>
+          <a:ln w="12700">
+            <a:solidFill>
+              <a:srgbClr val="FF0000"/>
+            </a:solidFill>
+            <a:prstDash val="sysDash"/>
+            <a:tailEnd type="triangle"/>
+          </a:ln>
+        </p:spPr>
+        <p:style>
+          <a:lnRef idx="1">
+            <a:schemeClr val="accent1"/>
+          </a:lnRef>
+          <a:fillRef idx="0">
+            <a:schemeClr val="accent1"/>
+          </a:fillRef>
+          <a:effectRef idx="0">
+            <a:schemeClr val="accent1"/>
+          </a:effectRef>
+          <a:fontRef idx="minor">
+            <a:schemeClr val="tx1"/>
+          </a:fontRef>
+        </p:style>
+      </p:cxnSp>
+      <p:cxnSp>
+        <p:nvCxnSpPr>
+          <p:cNvPr id="49" name="Connector: Elbow 48">
+            <a:extLst>
+              <a:ext uri="{FF2B5EF4-FFF2-40B4-BE49-F238E27FC236}">
+                <a16:creationId xmlns:a16="http://schemas.microsoft.com/office/drawing/2014/main" id="{132D44B9-DDB9-E9F1-B34D-747B9073BF73}"/>
+              </a:ext>
+            </a:extLst>
+          </p:cNvPr>
+          <p:cNvCxnSpPr>
+            <a:cxnSpLocks/>
+            <a:stCxn id="44" idx="3"/>
+            <a:endCxn id="2" idx="2"/>
+          </p:cNvCxnSpPr>
+          <p:nvPr/>
+        </p:nvCxnSpPr>
+        <p:spPr>
+          <a:xfrm flipV="1">
+            <a:off x="9334694" y="1034933"/>
+            <a:ext cx="837365" cy="641700"/>
+          </a:xfrm>
+          <a:prstGeom prst="bentConnector2">
+            <a:avLst/>
+          </a:prstGeom>
+          <a:ln w="12700">
+            <a:solidFill>
+              <a:srgbClr val="FF0000"/>
+            </a:solidFill>
+            <a:prstDash val="sysDash"/>
+            <a:tailEnd type="triangle"/>
+          </a:ln>
+        </p:spPr>
+        <p:style>
+          <a:lnRef idx="1">
+            <a:schemeClr val="accent1"/>
+          </a:lnRef>
+          <a:fillRef idx="0">
+            <a:schemeClr val="accent1"/>
+          </a:fillRef>
+          <a:effectRef idx="0">
+            <a:schemeClr val="accent1"/>
+          </a:effectRef>
+          <a:fontRef idx="minor">
+            <a:schemeClr val="tx1"/>
+          </a:fontRef>
+        </p:style>
+      </p:cxnSp>
+      <p:cxnSp>
+        <p:nvCxnSpPr>
+          <p:cNvPr id="58" name="Connector: Elbow 57">
+            <a:extLst>
+              <a:ext uri="{FF2B5EF4-FFF2-40B4-BE49-F238E27FC236}">
+                <a16:creationId xmlns:a16="http://schemas.microsoft.com/office/drawing/2014/main" id="{06418152-2119-898C-B894-20913E83D364}"/>
+              </a:ext>
+            </a:extLst>
+          </p:cNvPr>
+          <p:cNvCxnSpPr>
+            <a:cxnSpLocks/>
+            <a:stCxn id="41" idx="3"/>
+            <a:endCxn id="2" idx="2"/>
+          </p:cNvCxnSpPr>
+          <p:nvPr/>
+        </p:nvCxnSpPr>
+        <p:spPr>
+          <a:xfrm flipV="1">
+            <a:off x="9334694" y="1034933"/>
+            <a:ext cx="837365" cy="1805717"/>
+          </a:xfrm>
+          <a:prstGeom prst="bentConnector2">
+            <a:avLst/>
+          </a:prstGeom>
+          <a:ln w="12700">
+            <a:solidFill>
+              <a:srgbClr val="FF0000"/>
+            </a:solidFill>
+            <a:prstDash val="sysDash"/>
+            <a:tailEnd type="triangle"/>
+          </a:ln>
+        </p:spPr>
+        <p:style>
+          <a:lnRef idx="1">
+            <a:schemeClr val="accent1"/>
+          </a:lnRef>
+          <a:fillRef idx="0">
+            <a:schemeClr val="accent1"/>
+          </a:fillRef>
+          <a:effectRef idx="0">
+            <a:schemeClr val="accent1"/>
+          </a:effectRef>
+          <a:fontRef idx="minor">
+            <a:schemeClr val="tx1"/>
+          </a:fontRef>
+        </p:style>
+      </p:cxnSp>
+      <p:cxnSp>
+        <p:nvCxnSpPr>
+          <p:cNvPr id="66" name="Connector: Elbow 65">
+            <a:extLst>
+              <a:ext uri="{FF2B5EF4-FFF2-40B4-BE49-F238E27FC236}">
+                <a16:creationId xmlns:a16="http://schemas.microsoft.com/office/drawing/2014/main" id="{48577871-C9F4-E957-30E1-2A974D4C4128}"/>
+              </a:ext>
+            </a:extLst>
+          </p:cNvPr>
+          <p:cNvCxnSpPr>
+            <a:cxnSpLocks/>
+            <a:stCxn id="42" idx="3"/>
+            <a:endCxn id="2" idx="2"/>
+          </p:cNvCxnSpPr>
+          <p:nvPr/>
+        </p:nvCxnSpPr>
+        <p:spPr>
+          <a:xfrm flipV="1">
+            <a:off x="9334694" y="1034933"/>
+            <a:ext cx="837365" cy="2385999"/>
+          </a:xfrm>
+          <a:prstGeom prst="bentConnector2">
+            <a:avLst/>
+          </a:prstGeom>
+          <a:ln w="12700">
+            <a:solidFill>
+              <a:srgbClr val="FF0000"/>
+            </a:solidFill>
+            <a:prstDash val="sysDash"/>
+            <a:tailEnd type="triangle"/>
+          </a:ln>
+        </p:spPr>
+        <p:style>
+          <a:lnRef idx="1">
+            <a:schemeClr val="accent1"/>
+          </a:lnRef>
+          <a:fillRef idx="0">
+            <a:schemeClr val="accent1"/>
+          </a:fillRef>
+          <a:effectRef idx="0">
+            <a:schemeClr val="accent1"/>
+          </a:effectRef>
+          <a:fontRef idx="minor">
+            <a:schemeClr val="tx1"/>
+          </a:fontRef>
+        </p:style>
+      </p:cxnSp>
+      <p:cxnSp>
+        <p:nvCxnSpPr>
+          <p:cNvPr id="70" name="Connector: Elbow 69">
+            <a:extLst>
+              <a:ext uri="{FF2B5EF4-FFF2-40B4-BE49-F238E27FC236}">
+                <a16:creationId xmlns:a16="http://schemas.microsoft.com/office/drawing/2014/main" id="{CD210D18-A83D-B2C3-E235-8F77E0F288A3}"/>
+              </a:ext>
+            </a:extLst>
+          </p:cNvPr>
+          <p:cNvCxnSpPr>
+            <a:stCxn id="40" idx="3"/>
+            <a:endCxn id="2" idx="2"/>
+          </p:cNvCxnSpPr>
+          <p:nvPr/>
+        </p:nvCxnSpPr>
+        <p:spPr>
+          <a:xfrm flipV="1">
+            <a:off x="9334694" y="1034933"/>
+            <a:ext cx="837365" cy="2965427"/>
+          </a:xfrm>
+          <a:prstGeom prst="bentConnector2">
+            <a:avLst/>
+          </a:prstGeom>
+          <a:ln w="12700">
+            <a:solidFill>
+              <a:srgbClr val="FF0000"/>
+            </a:solidFill>
+            <a:prstDash val="sysDash"/>
+            <a:tailEnd type="triangle"/>
+          </a:ln>
+        </p:spPr>
+        <p:style>
+          <a:lnRef idx="1">
+            <a:schemeClr val="accent1"/>
+          </a:lnRef>
+          <a:fillRef idx="0">
+            <a:schemeClr val="accent1"/>
+          </a:fillRef>
+          <a:effectRef idx="0">
+            <a:schemeClr val="accent1"/>
+          </a:effectRef>
+          <a:fontRef idx="minor">
+            <a:schemeClr val="tx1"/>
+          </a:fontRef>
+        </p:style>
+      </p:cxnSp>
+      <p:cxnSp>
+        <p:nvCxnSpPr>
+          <p:cNvPr id="72" name="Connector: Elbow 71">
+            <a:extLst>
+              <a:ext uri="{FF2B5EF4-FFF2-40B4-BE49-F238E27FC236}">
+                <a16:creationId xmlns:a16="http://schemas.microsoft.com/office/drawing/2014/main" id="{05A912F3-5683-C28C-4752-8524C06E8E92}"/>
+              </a:ext>
+            </a:extLst>
+          </p:cNvPr>
+          <p:cNvCxnSpPr>
+            <a:stCxn id="21" idx="3"/>
+            <a:endCxn id="2" idx="2"/>
+          </p:cNvCxnSpPr>
+          <p:nvPr/>
+        </p:nvCxnSpPr>
+        <p:spPr>
+          <a:xfrm flipV="1">
+            <a:off x="9334694" y="1034933"/>
+            <a:ext cx="837365" cy="3544854"/>
+          </a:xfrm>
+          <a:prstGeom prst="bentConnector2">
+            <a:avLst/>
+          </a:prstGeom>
+          <a:ln w="12700">
+            <a:solidFill>
+              <a:srgbClr val="FF0000"/>
+            </a:solidFill>
+            <a:prstDash val="sysDash"/>
+            <a:tailEnd type="triangle"/>
+          </a:ln>
+        </p:spPr>
+        <p:style>
+          <a:lnRef idx="1">
+            <a:schemeClr val="accent1"/>
+          </a:lnRef>
+          <a:fillRef idx="0">
+            <a:schemeClr val="accent1"/>
+          </a:fillRef>
+          <a:effectRef idx="0">
+            <a:schemeClr val="accent1"/>
+          </a:effectRef>
+          <a:fontRef idx="minor">
+            <a:schemeClr val="tx1"/>
+          </a:fontRef>
+        </p:style>
+      </p:cxnSp>
+      <p:cxnSp>
+        <p:nvCxnSpPr>
+          <p:cNvPr id="74" name="Connector: Elbow 73">
+            <a:extLst>
+              <a:ext uri="{FF2B5EF4-FFF2-40B4-BE49-F238E27FC236}">
+                <a16:creationId xmlns:a16="http://schemas.microsoft.com/office/drawing/2014/main" id="{31596A27-B011-4202-7AEE-AC997B89596D}"/>
+              </a:ext>
+            </a:extLst>
+          </p:cNvPr>
+          <p:cNvCxnSpPr>
+            <a:stCxn id="37" idx="3"/>
+            <a:endCxn id="2" idx="2"/>
+          </p:cNvCxnSpPr>
+          <p:nvPr/>
+        </p:nvCxnSpPr>
+        <p:spPr>
+          <a:xfrm flipV="1">
+            <a:off x="9870582" y="1034933"/>
+            <a:ext cx="301477" cy="4125136"/>
+          </a:xfrm>
+          <a:prstGeom prst="bentConnector2">
+            <a:avLst/>
+          </a:prstGeom>
+          <a:ln w="12700">
+            <a:solidFill>
+              <a:srgbClr val="FF0000"/>
+            </a:solidFill>
+            <a:prstDash val="sysDash"/>
+            <a:tailEnd type="triangle"/>
+          </a:ln>
+        </p:spPr>
+        <p:style>
+          <a:lnRef idx="1">
+            <a:schemeClr val="accent1"/>
+          </a:lnRef>
+          <a:fillRef idx="0">
+            <a:schemeClr val="accent1"/>
+          </a:fillRef>
+          <a:effectRef idx="0">
+            <a:schemeClr val="accent1"/>
+          </a:effectRef>
+          <a:fontRef idx="minor">
+            <a:schemeClr val="tx1"/>
+          </a:fontRef>
+        </p:style>
+      </p:cxnSp>
+      <p:cxnSp>
+        <p:nvCxnSpPr>
+          <p:cNvPr id="76" name="Connector: Elbow 75">
+            <a:extLst>
+              <a:ext uri="{FF2B5EF4-FFF2-40B4-BE49-F238E27FC236}">
+                <a16:creationId xmlns:a16="http://schemas.microsoft.com/office/drawing/2014/main" id="{9B98F583-9C6C-F215-9583-ACF6E9369F1E}"/>
+              </a:ext>
+            </a:extLst>
+          </p:cNvPr>
+          <p:cNvCxnSpPr>
+            <a:stCxn id="38" idx="3"/>
+            <a:endCxn id="2" idx="2"/>
+          </p:cNvCxnSpPr>
+          <p:nvPr/>
+        </p:nvCxnSpPr>
+        <p:spPr>
+          <a:xfrm flipV="1">
+            <a:off x="9635298" y="1034933"/>
+            <a:ext cx="536761" cy="4704564"/>
+          </a:xfrm>
+          <a:prstGeom prst="bentConnector2">
+            <a:avLst/>
+          </a:prstGeom>
+          <a:ln w="12700">
+            <a:solidFill>
+              <a:srgbClr val="FF0000"/>
+            </a:solidFill>
+            <a:prstDash val="sysDash"/>
+            <a:tailEnd type="triangle"/>
+          </a:ln>
+        </p:spPr>
+        <p:style>
+          <a:lnRef idx="1">
+            <a:schemeClr val="accent1"/>
+          </a:lnRef>
+          <a:fillRef idx="0">
+            <a:schemeClr val="accent1"/>
+          </a:fillRef>
+          <a:effectRef idx="0">
+            <a:schemeClr val="accent1"/>
+          </a:effectRef>
+          <a:fontRef idx="minor">
+            <a:schemeClr val="tx1"/>
+          </a:fontRef>
+        </p:style>
+      </p:cxnSp>
+      <p:cxnSp>
+        <p:nvCxnSpPr>
+          <p:cNvPr id="78" name="Connector: Elbow 77">
+            <a:extLst>
+              <a:ext uri="{FF2B5EF4-FFF2-40B4-BE49-F238E27FC236}">
+                <a16:creationId xmlns:a16="http://schemas.microsoft.com/office/drawing/2014/main" id="{9E1A0E5C-FB7E-54F1-B9B4-6679EB6BB51C}"/>
+              </a:ext>
+            </a:extLst>
+          </p:cNvPr>
+          <p:cNvCxnSpPr>
+            <a:stCxn id="39" idx="3"/>
+            <a:endCxn id="2" idx="2"/>
+          </p:cNvCxnSpPr>
+          <p:nvPr/>
+        </p:nvCxnSpPr>
+        <p:spPr>
+          <a:xfrm flipV="1">
+            <a:off x="9334693" y="1034933"/>
+            <a:ext cx="837366" cy="5283992"/>
+          </a:xfrm>
+          <a:prstGeom prst="bentConnector2">
+            <a:avLst/>
+          </a:prstGeom>
+          <a:ln w="12700">
+            <a:solidFill>
+              <a:srgbClr val="FF0000"/>
+            </a:solidFill>
+            <a:prstDash val="sysDash"/>
+            <a:tailEnd type="triangle"/>
+          </a:ln>
+        </p:spPr>
+        <p:style>
+          <a:lnRef idx="1">
+            <a:schemeClr val="accent1"/>
+          </a:lnRef>
+          <a:fillRef idx="0">
+            <a:schemeClr val="accent1"/>
+          </a:fillRef>
+          <a:effectRef idx="0">
+            <a:schemeClr val="accent1"/>
+          </a:effectRef>
+          <a:fontRef idx="minor">
+            <a:schemeClr val="tx1"/>
+          </a:fontRef>
+        </p:style>
+      </p:cxnSp>
+      <p:cxnSp>
+        <p:nvCxnSpPr>
+          <p:cNvPr id="79" name="Connector: Elbow 78">
+            <a:extLst>
+              <a:ext uri="{FF2B5EF4-FFF2-40B4-BE49-F238E27FC236}">
+                <a16:creationId xmlns:a16="http://schemas.microsoft.com/office/drawing/2014/main" id="{2EE90043-E85B-FA89-3B1B-C9AAFCF14BE5}"/>
+              </a:ext>
+            </a:extLst>
+          </p:cNvPr>
+          <p:cNvCxnSpPr>
+            <a:cxnSpLocks/>
+            <a:stCxn id="44" idx="3"/>
+            <a:endCxn id="121" idx="2"/>
+          </p:cNvCxnSpPr>
+          <p:nvPr/>
+        </p:nvCxnSpPr>
+        <p:spPr>
+          <a:xfrm flipH="1" flipV="1">
+            <a:off x="8053573" y="932168"/>
+            <a:ext cx="1281121" cy="744465"/>
+          </a:xfrm>
+          <a:prstGeom prst="bentConnector4">
+            <a:avLst>
+              <a:gd name="adj1" fmla="val -65328"/>
+              <a:gd name="adj2" fmla="val 56243"/>
+            </a:avLst>
+          </a:prstGeom>
+          <a:ln w="12700">
+            <a:solidFill>
+              <a:srgbClr val="FF0000"/>
+            </a:solidFill>
+            <a:prstDash val="sysDash"/>
             <a:tailEnd type="triangle"/>
           </a:ln>
         </p:spPr>

--- a/docs/Design/MG/MG_graph.pptx
+++ b/docs/Design/MG/MG_graph.pptx
@@ -3362,7 +3362,7 @@
         </p:nvSpPr>
         <p:spPr>
           <a:xfrm>
-            <a:off x="1096887" y="300745"/>
+            <a:off x="1096887" y="128575"/>
             <a:ext cx="1235994" cy="788376"/>
           </a:xfrm>
           <a:prstGeom prst="rect">
@@ -3418,7 +3418,7 @@
         </p:nvSpPr>
         <p:spPr>
           <a:xfrm>
-            <a:off x="2644883" y="457698"/>
+            <a:off x="2644883" y="285528"/>
             <a:ext cx="1938240" cy="476661"/>
           </a:xfrm>
           <a:prstGeom prst="rect">
@@ -3471,7 +3471,7 @@
         </p:nvSpPr>
         <p:spPr>
           <a:xfrm>
-            <a:off x="4949242" y="457698"/>
+            <a:off x="4949242" y="285528"/>
             <a:ext cx="1576435" cy="476662"/>
           </a:xfrm>
           <a:prstGeom prst="rect">
@@ -3536,7 +3536,7 @@
         </p:nvCxnSpPr>
         <p:spPr>
           <a:xfrm>
-            <a:off x="2332881" y="694933"/>
+            <a:off x="2332881" y="522763"/>
             <a:ext cx="312002" cy="1096"/>
           </a:xfrm>
           <a:prstGeom prst="straightConnector1">
@@ -3582,7 +3582,7 @@
         </p:nvCxnSpPr>
         <p:spPr>
           <a:xfrm>
-            <a:off x="4583123" y="696028"/>
+            <a:off x="4583123" y="523858"/>
             <a:ext cx="366119" cy="1"/>
           </a:xfrm>
           <a:prstGeom prst="straightConnector1">
@@ -3628,8 +3628,8 @@
         </p:nvCxnSpPr>
         <p:spPr>
           <a:xfrm flipV="1">
-            <a:off x="6525677" y="694933"/>
-            <a:ext cx="909898" cy="1097"/>
+            <a:off x="6525677" y="522763"/>
+            <a:ext cx="909899" cy="1096"/>
           </a:xfrm>
           <a:prstGeom prst="straightConnector1">
             <a:avLst/>
@@ -3670,7 +3670,7 @@
         </p:nvSpPr>
         <p:spPr>
           <a:xfrm>
-            <a:off x="7435577" y="4341456"/>
+            <a:off x="7435577" y="4417976"/>
             <a:ext cx="1899117" cy="476662"/>
           </a:xfrm>
           <a:prstGeom prst="rect">
@@ -3724,7 +3724,7 @@
         </p:nvSpPr>
         <p:spPr>
           <a:xfrm>
-            <a:off x="7435577" y="4921738"/>
+            <a:off x="7435577" y="4998258"/>
             <a:ext cx="2435005" cy="476662"/>
           </a:xfrm>
           <a:prstGeom prst="rect">
@@ -3778,7 +3778,7 @@
         </p:nvSpPr>
         <p:spPr>
           <a:xfrm>
-            <a:off x="7435577" y="5501166"/>
+            <a:off x="7435577" y="5577686"/>
             <a:ext cx="2199721" cy="476662"/>
           </a:xfrm>
           <a:prstGeom prst="rect">
@@ -3832,7 +3832,7 @@
         </p:nvSpPr>
         <p:spPr>
           <a:xfrm>
-            <a:off x="7435576" y="6080594"/>
+            <a:off x="7435576" y="6157114"/>
             <a:ext cx="1899117" cy="476662"/>
           </a:xfrm>
           <a:prstGeom prst="rect">
@@ -3886,7 +3886,7 @@
         </p:nvSpPr>
         <p:spPr>
           <a:xfrm>
-            <a:off x="7435577" y="3762029"/>
+            <a:off x="7435577" y="3838549"/>
             <a:ext cx="1899117" cy="476662"/>
           </a:xfrm>
           <a:prstGeom prst="rect">
@@ -3940,7 +3940,7 @@
         </p:nvSpPr>
         <p:spPr>
           <a:xfrm>
-            <a:off x="7435577" y="2602319"/>
+            <a:off x="7435577" y="2678839"/>
             <a:ext cx="1899117" cy="476662"/>
           </a:xfrm>
           <a:prstGeom prst="rect">
@@ -3994,7 +3994,7 @@
         </p:nvSpPr>
         <p:spPr>
           <a:xfrm>
-            <a:off x="7435577" y="3182601"/>
+            <a:off x="7435577" y="3259121"/>
             <a:ext cx="1899117" cy="476662"/>
           </a:xfrm>
           <a:prstGeom prst="rect">
@@ -4048,7 +4048,7 @@
         </p:nvSpPr>
         <p:spPr>
           <a:xfrm>
-            <a:off x="7435577" y="2019211"/>
+            <a:off x="7435577" y="2095731"/>
             <a:ext cx="1899117" cy="476662"/>
           </a:xfrm>
           <a:prstGeom prst="rect">
@@ -4097,7 +4097,7 @@
         </p:nvSpPr>
         <p:spPr>
           <a:xfrm>
-            <a:off x="7435577" y="1438302"/>
+            <a:off x="7435577" y="1227872"/>
             <a:ext cx="1899117" cy="476662"/>
           </a:xfrm>
           <a:prstGeom prst="rect">
@@ -4154,8 +4154,8 @@
         </p:nvCxnSpPr>
         <p:spPr>
           <a:xfrm rot="16200000" flipH="1">
-            <a:off x="5633373" y="1038447"/>
-            <a:ext cx="1906291" cy="1698117"/>
+            <a:off x="5509028" y="990621"/>
+            <a:ext cx="2154980" cy="1698117"/>
           </a:xfrm>
           <a:prstGeom prst="bentConnector2">
             <a:avLst/>
@@ -4199,8 +4199,8 @@
         </p:nvCxnSpPr>
         <p:spPr>
           <a:xfrm rot="16200000" flipH="1">
-            <a:off x="5343232" y="1328587"/>
-            <a:ext cx="2486573" cy="1698117"/>
+            <a:off x="5218887" y="1280762"/>
+            <a:ext cx="2735262" cy="1698117"/>
           </a:xfrm>
           <a:prstGeom prst="bentConnector2">
             <a:avLst/>
@@ -4244,8 +4244,8 @@
         </p:nvCxnSpPr>
         <p:spPr>
           <a:xfrm rot="16200000" flipH="1">
-            <a:off x="5053518" y="1618301"/>
-            <a:ext cx="3066001" cy="1698117"/>
+            <a:off x="4929173" y="1570476"/>
+            <a:ext cx="3314690" cy="1698117"/>
           </a:xfrm>
           <a:prstGeom prst="bentConnector2">
             <a:avLst/>
@@ -4289,8 +4289,8 @@
         </p:nvCxnSpPr>
         <p:spPr>
           <a:xfrm rot="16200000" flipH="1">
-            <a:off x="4763805" y="1908015"/>
-            <a:ext cx="3645428" cy="1698117"/>
+            <a:off x="4639460" y="1860189"/>
+            <a:ext cx="3894117" cy="1698117"/>
           </a:xfrm>
           <a:prstGeom prst="bentConnector2">
             <a:avLst/>
@@ -4335,8 +4335,8 @@
         </p:nvCxnSpPr>
         <p:spPr>
           <a:xfrm rot="16200000" flipH="1">
-            <a:off x="4473663" y="2198157"/>
-            <a:ext cx="4225710" cy="1698117"/>
+            <a:off x="4349319" y="2150330"/>
+            <a:ext cx="4474399" cy="1698117"/>
           </a:xfrm>
           <a:prstGeom prst="bentConnector2">
             <a:avLst/>
@@ -4381,8 +4381,8 @@
         </p:nvCxnSpPr>
         <p:spPr>
           <a:xfrm rot="16200000" flipH="1">
-            <a:off x="4183949" y="2487870"/>
-            <a:ext cx="4805138" cy="1698117"/>
+            <a:off x="4059605" y="2440044"/>
+            <a:ext cx="5053827" cy="1698117"/>
           </a:xfrm>
           <a:prstGeom prst="bentConnector2">
             <a:avLst/>
@@ -4426,8 +4426,8 @@
         </p:nvCxnSpPr>
         <p:spPr>
           <a:xfrm rot="16200000" flipH="1">
-            <a:off x="3894234" y="2777584"/>
-            <a:ext cx="5384566" cy="1698116"/>
+            <a:off x="3769891" y="2729759"/>
+            <a:ext cx="5633255" cy="1698116"/>
           </a:xfrm>
           <a:prstGeom prst="bentConnector2">
             <a:avLst/>
@@ -4471,8 +4471,8 @@
         </p:nvCxnSpPr>
         <p:spPr>
           <a:xfrm rot="16200000" flipH="1">
-            <a:off x="5924927" y="746892"/>
-            <a:ext cx="1323183" cy="1698117"/>
+            <a:off x="5800582" y="699067"/>
+            <a:ext cx="1571872" cy="1698117"/>
           </a:xfrm>
           <a:prstGeom prst="bentConnector2">
             <a:avLst/>
@@ -4516,8 +4516,8 @@
         </p:nvCxnSpPr>
         <p:spPr>
           <a:xfrm rot="16200000" flipH="1">
-            <a:off x="6215382" y="456438"/>
-            <a:ext cx="742274" cy="1698117"/>
+            <a:off x="6234512" y="265137"/>
+            <a:ext cx="704013" cy="1698117"/>
           </a:xfrm>
           <a:prstGeom prst="bentConnector2">
             <a:avLst/>
@@ -4558,7 +4558,7 @@
         </p:nvGrpSpPr>
         <p:grpSpPr>
           <a:xfrm>
-            <a:off x="3933099" y="1441298"/>
+            <a:off x="3933099" y="1269128"/>
             <a:ext cx="1477370" cy="1670705"/>
             <a:chOff x="539134" y="2952142"/>
             <a:chExt cx="1312298" cy="1484031"/>
@@ -4741,7 +4741,7 @@
         </p:nvCxnSpPr>
         <p:spPr>
           <a:xfrm rot="16200000" flipH="1">
-            <a:off x="3400916" y="1147446"/>
+            <a:off x="3400916" y="975276"/>
             <a:ext cx="745271" cy="319095"/>
           </a:xfrm>
           <a:prstGeom prst="bentConnector2">
@@ -4786,7 +4786,7 @@
         </p:nvCxnSpPr>
         <p:spPr>
           <a:xfrm rot="16200000" flipH="1">
-            <a:off x="3102405" y="1445956"/>
+            <a:off x="3102405" y="1273786"/>
             <a:ext cx="1342292" cy="319095"/>
           </a:xfrm>
           <a:prstGeom prst="bentConnector2">
@@ -4831,7 +4831,7 @@
         </p:nvCxnSpPr>
         <p:spPr>
           <a:xfrm rot="16200000" flipH="1">
-            <a:off x="2803894" y="1744467"/>
+            <a:off x="2803894" y="1572297"/>
             <a:ext cx="1939314" cy="319095"/>
           </a:xfrm>
           <a:prstGeom prst="bentConnector2">
@@ -4873,7 +4873,7 @@
         </p:nvGrpSpPr>
         <p:grpSpPr>
           <a:xfrm>
-            <a:off x="3933099" y="3435190"/>
+            <a:off x="3933099" y="3263020"/>
             <a:ext cx="1477370" cy="1075682"/>
             <a:chOff x="4599259" y="3762688"/>
             <a:chExt cx="1312298" cy="955492"/>
@@ -5019,7 +5019,7 @@
         </p:nvCxnSpPr>
         <p:spPr>
           <a:xfrm rot="16200000" flipH="1">
-            <a:off x="2403969" y="2144392"/>
+            <a:off x="2403969" y="1972222"/>
             <a:ext cx="2739163" cy="319095"/>
           </a:xfrm>
           <a:prstGeom prst="bentConnector2">
@@ -5064,7 +5064,7 @@
         </p:nvCxnSpPr>
         <p:spPr>
           <a:xfrm rot="16200000" flipH="1">
-            <a:off x="2104460" y="2443902"/>
+            <a:off x="2104460" y="2271732"/>
             <a:ext cx="3338183" cy="319095"/>
           </a:xfrm>
           <a:prstGeom prst="bentConnector2">
@@ -5106,7 +5106,7 @@
         </p:nvSpPr>
         <p:spPr>
           <a:xfrm>
-            <a:off x="4053787" y="5149176"/>
+            <a:off x="4053787" y="4977006"/>
             <a:ext cx="1235993" cy="474470"/>
           </a:xfrm>
           <a:prstGeom prst="rect">
@@ -5159,7 +5159,7 @@
         </p:nvCxnSpPr>
         <p:spPr>
           <a:xfrm>
-            <a:off x="4671784" y="4510872"/>
+            <a:off x="4671784" y="4338702"/>
             <a:ext cx="0" cy="638304"/>
           </a:xfrm>
           <a:prstGeom prst="straightConnector1">
@@ -5201,7 +5201,7 @@
         </p:nvSpPr>
         <p:spPr>
           <a:xfrm>
-            <a:off x="7435576" y="457698"/>
+            <a:off x="7435576" y="285528"/>
             <a:ext cx="1235993" cy="474470"/>
           </a:xfrm>
           <a:prstGeom prst="rect">
@@ -5250,7 +5250,7 @@
         </p:nvSpPr>
         <p:spPr>
           <a:xfrm>
-            <a:off x="1096886" y="3245834"/>
+            <a:off x="1096886" y="3073664"/>
             <a:ext cx="1235994" cy="788376"/>
           </a:xfrm>
           <a:prstGeom prst="rect">
@@ -5313,7 +5313,7 @@
         </p:nvCxnSpPr>
         <p:spPr>
           <a:xfrm rot="5400000">
-            <a:off x="1508706" y="1140536"/>
+            <a:off x="1508706" y="968366"/>
             <a:ext cx="2311475" cy="1899120"/>
           </a:xfrm>
           <a:prstGeom prst="bentConnector3">
@@ -5357,7 +5357,7 @@
         </p:nvSpPr>
         <p:spPr>
           <a:xfrm>
-            <a:off x="9249003" y="354933"/>
+            <a:off x="9249003" y="182763"/>
             <a:ext cx="1846112" cy="680000"/>
           </a:xfrm>
           <a:prstGeom prst="rect">
@@ -5418,7 +5418,7 @@
         </p:nvCxnSpPr>
         <p:spPr>
           <a:xfrm>
-            <a:off x="8671569" y="694933"/>
+            <a:off x="8671569" y="522763"/>
             <a:ext cx="577434" cy="0"/>
           </a:xfrm>
           <a:prstGeom prst="straightConnector1">
@@ -5464,8 +5464,8 @@
         </p:nvCxnSpPr>
         <p:spPr>
           <a:xfrm flipV="1">
-            <a:off x="9334694" y="1034933"/>
-            <a:ext cx="837365" cy="1222609"/>
+            <a:off x="9334694" y="862763"/>
+            <a:ext cx="837365" cy="1471299"/>
           </a:xfrm>
           <a:prstGeom prst="bentConnector2">
             <a:avLst/>
@@ -5511,8 +5511,8 @@
         </p:nvCxnSpPr>
         <p:spPr>
           <a:xfrm flipV="1">
-            <a:off x="9334694" y="1034933"/>
-            <a:ext cx="837365" cy="641700"/>
+            <a:off x="9334694" y="862763"/>
+            <a:ext cx="837365" cy="603440"/>
           </a:xfrm>
           <a:prstGeom prst="bentConnector2">
             <a:avLst/>
@@ -5558,8 +5558,8 @@
         </p:nvCxnSpPr>
         <p:spPr>
           <a:xfrm flipV="1">
-            <a:off x="9334694" y="1034933"/>
-            <a:ext cx="837365" cy="1805717"/>
+            <a:off x="9334694" y="862763"/>
+            <a:ext cx="837365" cy="2054407"/>
           </a:xfrm>
           <a:prstGeom prst="bentConnector2">
             <a:avLst/>
@@ -5605,8 +5605,8 @@
         </p:nvCxnSpPr>
         <p:spPr>
           <a:xfrm flipV="1">
-            <a:off x="9334694" y="1034933"/>
-            <a:ext cx="837365" cy="2385999"/>
+            <a:off x="9334694" y="862763"/>
+            <a:ext cx="837365" cy="2634689"/>
           </a:xfrm>
           <a:prstGeom prst="bentConnector2">
             <a:avLst/>
@@ -5651,8 +5651,8 @@
         </p:nvCxnSpPr>
         <p:spPr>
           <a:xfrm flipV="1">
-            <a:off x="9334694" y="1034933"/>
-            <a:ext cx="837365" cy="2965427"/>
+            <a:off x="9334694" y="862763"/>
+            <a:ext cx="837365" cy="3214117"/>
           </a:xfrm>
           <a:prstGeom prst="bentConnector2">
             <a:avLst/>
@@ -5697,8 +5697,8 @@
         </p:nvCxnSpPr>
         <p:spPr>
           <a:xfrm flipV="1">
-            <a:off x="9334694" y="1034933"/>
-            <a:ext cx="837365" cy="3544854"/>
+            <a:off x="9334694" y="862763"/>
+            <a:ext cx="837365" cy="3793544"/>
           </a:xfrm>
           <a:prstGeom prst="bentConnector2">
             <a:avLst/>
@@ -5743,8 +5743,8 @@
         </p:nvCxnSpPr>
         <p:spPr>
           <a:xfrm flipV="1">
-            <a:off x="9870582" y="1034933"/>
-            <a:ext cx="301477" cy="4125136"/>
+            <a:off x="9870582" y="862763"/>
+            <a:ext cx="301477" cy="4373826"/>
           </a:xfrm>
           <a:prstGeom prst="bentConnector2">
             <a:avLst/>
@@ -5789,8 +5789,8 @@
         </p:nvCxnSpPr>
         <p:spPr>
           <a:xfrm flipV="1">
-            <a:off x="9635298" y="1034933"/>
-            <a:ext cx="536761" cy="4704564"/>
+            <a:off x="9635298" y="862763"/>
+            <a:ext cx="536761" cy="4953254"/>
           </a:xfrm>
           <a:prstGeom prst="bentConnector2">
             <a:avLst/>
@@ -5835,8 +5835,8 @@
         </p:nvCxnSpPr>
         <p:spPr>
           <a:xfrm flipV="1">
-            <a:off x="9334693" y="1034933"/>
-            <a:ext cx="837366" cy="5283992"/>
+            <a:off x="9334693" y="862763"/>
+            <a:ext cx="837366" cy="5532682"/>
           </a:xfrm>
           <a:prstGeom prst="bentConnector2">
             <a:avLst/>
@@ -5882,13 +5882,13 @@
         </p:nvCxnSpPr>
         <p:spPr>
           <a:xfrm flipH="1" flipV="1">
-            <a:off x="8053573" y="932168"/>
-            <a:ext cx="1281121" cy="744465"/>
+            <a:off x="8053573" y="759998"/>
+            <a:ext cx="1281121" cy="706205"/>
           </a:xfrm>
           <a:prstGeom prst="bentConnector4">
             <a:avLst>
-              <a:gd name="adj1" fmla="val -65328"/>
-              <a:gd name="adj2" fmla="val 56243"/>
+              <a:gd name="adj1" fmla="val -65029"/>
+              <a:gd name="adj2" fmla="val 60915"/>
             </a:avLst>
           </a:prstGeom>
           <a:ln w="12700">
@@ -5896,6 +5896,51 @@
               <a:srgbClr val="FF0000"/>
             </a:solidFill>
             <a:prstDash val="sysDash"/>
+            <a:tailEnd type="triangle"/>
+          </a:ln>
+        </p:spPr>
+        <p:style>
+          <a:lnRef idx="1">
+            <a:schemeClr val="accent1"/>
+          </a:lnRef>
+          <a:fillRef idx="0">
+            <a:schemeClr val="accent1"/>
+          </a:fillRef>
+          <a:effectRef idx="0">
+            <a:schemeClr val="accent1"/>
+          </a:effectRef>
+          <a:fontRef idx="minor">
+            <a:schemeClr val="tx1"/>
+          </a:fontRef>
+        </p:style>
+      </p:cxnSp>
+      <p:cxnSp>
+        <p:nvCxnSpPr>
+          <p:cNvPr id="145" name="Straight Arrow Connector 144">
+            <a:extLst>
+              <a:ext uri="{FF2B5EF4-FFF2-40B4-BE49-F238E27FC236}">
+                <a16:creationId xmlns:a16="http://schemas.microsoft.com/office/drawing/2014/main" id="{454E9FFB-9517-AB31-9D10-4DD23F3A6D27}"/>
+              </a:ext>
+            </a:extLst>
+          </p:cNvPr>
+          <p:cNvCxnSpPr>
+            <a:stCxn id="44" idx="2"/>
+            <a:endCxn id="43" idx="0"/>
+          </p:cNvCxnSpPr>
+          <p:nvPr/>
+        </p:nvCxnSpPr>
+        <p:spPr>
+          <a:xfrm>
+            <a:off x="8385136" y="1704534"/>
+            <a:ext cx="0" cy="391197"/>
+          </a:xfrm>
+          <a:prstGeom prst="straightConnector1">
+            <a:avLst/>
+          </a:prstGeom>
+          <a:ln w="12700">
+            <a:solidFill>
+              <a:schemeClr val="tx1"/>
+            </a:solidFill>
             <a:tailEnd type="triangle"/>
           </a:ln>
         </p:spPr>

--- a/docs/Design/MG/MG_graph.pptx
+++ b/docs/Design/MG/MG_graph.pptx
@@ -3670,7 +3670,7 @@
         </p:nvSpPr>
         <p:spPr>
           <a:xfrm>
-            <a:off x="7435577" y="4417976"/>
+            <a:off x="7435577" y="4505974"/>
             <a:ext cx="1899117" cy="476662"/>
           </a:xfrm>
           <a:prstGeom prst="rect">
@@ -3724,7 +3724,7 @@
         </p:nvSpPr>
         <p:spPr>
           <a:xfrm>
-            <a:off x="7435577" y="4998258"/>
+            <a:off x="7435577" y="5086256"/>
             <a:ext cx="2435005" cy="476662"/>
           </a:xfrm>
           <a:prstGeom prst="rect">
@@ -3778,7 +3778,7 @@
         </p:nvSpPr>
         <p:spPr>
           <a:xfrm>
-            <a:off x="7435577" y="5577686"/>
+            <a:off x="7435577" y="5665684"/>
             <a:ext cx="2199721" cy="476662"/>
           </a:xfrm>
           <a:prstGeom prst="rect">
@@ -3832,7 +3832,7 @@
         </p:nvSpPr>
         <p:spPr>
           <a:xfrm>
-            <a:off x="7435576" y="6157114"/>
+            <a:off x="7435576" y="6245112"/>
             <a:ext cx="1899117" cy="476662"/>
           </a:xfrm>
           <a:prstGeom prst="rect">
@@ -3886,7 +3886,7 @@
         </p:nvSpPr>
         <p:spPr>
           <a:xfrm>
-            <a:off x="7435577" y="3838549"/>
+            <a:off x="7435577" y="3926547"/>
             <a:ext cx="1899117" cy="476662"/>
           </a:xfrm>
           <a:prstGeom prst="rect">
@@ -3940,7 +3940,7 @@
         </p:nvSpPr>
         <p:spPr>
           <a:xfrm>
-            <a:off x="7435577" y="2678839"/>
+            <a:off x="7435577" y="2766837"/>
             <a:ext cx="1899117" cy="476662"/>
           </a:xfrm>
           <a:prstGeom prst="rect">
@@ -3994,7 +3994,7 @@
         </p:nvSpPr>
         <p:spPr>
           <a:xfrm>
-            <a:off x="7435577" y="3259121"/>
+            <a:off x="7435577" y="3347119"/>
             <a:ext cx="1899117" cy="476662"/>
           </a:xfrm>
           <a:prstGeom prst="rect">
@@ -4048,7 +4048,7 @@
         </p:nvSpPr>
         <p:spPr>
           <a:xfrm>
-            <a:off x="7435577" y="2095731"/>
+            <a:off x="7435577" y="2183729"/>
             <a:ext cx="1899117" cy="476662"/>
           </a:xfrm>
           <a:prstGeom prst="rect">
@@ -4097,7 +4097,7 @@
         </p:nvSpPr>
         <p:spPr>
           <a:xfrm>
-            <a:off x="7435577" y="1227872"/>
+            <a:off x="7435577" y="1438302"/>
             <a:ext cx="1899117" cy="476662"/>
           </a:xfrm>
           <a:prstGeom prst="rect">
@@ -4154,8 +4154,8 @@
         </p:nvCxnSpPr>
         <p:spPr>
           <a:xfrm rot="16200000" flipH="1">
-            <a:off x="5509028" y="990621"/>
-            <a:ext cx="2154980" cy="1698117"/>
+            <a:off x="5465029" y="1034620"/>
+            <a:ext cx="2242978" cy="1698117"/>
           </a:xfrm>
           <a:prstGeom prst="bentConnector2">
             <a:avLst/>
@@ -4199,8 +4199,8 @@
         </p:nvCxnSpPr>
         <p:spPr>
           <a:xfrm rot="16200000" flipH="1">
-            <a:off x="5218887" y="1280762"/>
-            <a:ext cx="2735262" cy="1698117"/>
+            <a:off x="5174888" y="1324761"/>
+            <a:ext cx="2823260" cy="1698117"/>
           </a:xfrm>
           <a:prstGeom prst="bentConnector2">
             <a:avLst/>
@@ -4244,8 +4244,8 @@
         </p:nvCxnSpPr>
         <p:spPr>
           <a:xfrm rot="16200000" flipH="1">
-            <a:off x="4929173" y="1570476"/>
-            <a:ext cx="3314690" cy="1698117"/>
+            <a:off x="4885174" y="1614475"/>
+            <a:ext cx="3402688" cy="1698117"/>
           </a:xfrm>
           <a:prstGeom prst="bentConnector2">
             <a:avLst/>
@@ -4289,8 +4289,8 @@
         </p:nvCxnSpPr>
         <p:spPr>
           <a:xfrm rot="16200000" flipH="1">
-            <a:off x="4639460" y="1860189"/>
-            <a:ext cx="3894117" cy="1698117"/>
+            <a:off x="4595461" y="1904188"/>
+            <a:ext cx="3982115" cy="1698117"/>
           </a:xfrm>
           <a:prstGeom prst="bentConnector2">
             <a:avLst/>
@@ -4335,8 +4335,8 @@
         </p:nvCxnSpPr>
         <p:spPr>
           <a:xfrm rot="16200000" flipH="1">
-            <a:off x="4349319" y="2150330"/>
-            <a:ext cx="4474399" cy="1698117"/>
+            <a:off x="4305320" y="2194329"/>
+            <a:ext cx="4562397" cy="1698117"/>
           </a:xfrm>
           <a:prstGeom prst="bentConnector2">
             <a:avLst/>
@@ -4381,8 +4381,8 @@
         </p:nvCxnSpPr>
         <p:spPr>
           <a:xfrm rot="16200000" flipH="1">
-            <a:off x="4059605" y="2440044"/>
-            <a:ext cx="5053827" cy="1698117"/>
+            <a:off x="4015606" y="2484043"/>
+            <a:ext cx="5141825" cy="1698117"/>
           </a:xfrm>
           <a:prstGeom prst="bentConnector2">
             <a:avLst/>
@@ -4426,8 +4426,8 @@
         </p:nvCxnSpPr>
         <p:spPr>
           <a:xfrm rot="16200000" flipH="1">
-            <a:off x="3769891" y="2729759"/>
-            <a:ext cx="5633255" cy="1698116"/>
+            <a:off x="3725892" y="2773758"/>
+            <a:ext cx="5721253" cy="1698116"/>
           </a:xfrm>
           <a:prstGeom prst="bentConnector2">
             <a:avLst/>
@@ -4471,8 +4471,8 @@
         </p:nvCxnSpPr>
         <p:spPr>
           <a:xfrm rot="16200000" flipH="1">
-            <a:off x="5800582" y="699067"/>
-            <a:ext cx="1571872" cy="1698117"/>
+            <a:off x="5756583" y="743066"/>
+            <a:ext cx="1659870" cy="1698117"/>
           </a:xfrm>
           <a:prstGeom prst="bentConnector2">
             <a:avLst/>
@@ -4516,8 +4516,8 @@
         </p:nvCxnSpPr>
         <p:spPr>
           <a:xfrm rot="16200000" flipH="1">
-            <a:off x="6234512" y="265137"/>
-            <a:ext cx="704013" cy="1698117"/>
+            <a:off x="6129297" y="370352"/>
+            <a:ext cx="914443" cy="1698117"/>
           </a:xfrm>
           <a:prstGeom prst="bentConnector2">
             <a:avLst/>
@@ -5465,7 +5465,7 @@
         <p:spPr>
           <a:xfrm flipV="1">
             <a:off x="9334694" y="862763"/>
-            <a:ext cx="837365" cy="1471299"/>
+            <a:ext cx="837365" cy="1559297"/>
           </a:xfrm>
           <a:prstGeom prst="bentConnector2">
             <a:avLst/>
@@ -5512,7 +5512,7 @@
         <p:spPr>
           <a:xfrm flipV="1">
             <a:off x="9334694" y="862763"/>
-            <a:ext cx="837365" cy="603440"/>
+            <a:ext cx="837365" cy="813870"/>
           </a:xfrm>
           <a:prstGeom prst="bentConnector2">
             <a:avLst/>
@@ -5559,7 +5559,7 @@
         <p:spPr>
           <a:xfrm flipV="1">
             <a:off x="9334694" y="862763"/>
-            <a:ext cx="837365" cy="2054407"/>
+            <a:ext cx="837365" cy="2142405"/>
           </a:xfrm>
           <a:prstGeom prst="bentConnector2">
             <a:avLst/>
@@ -5606,7 +5606,7 @@
         <p:spPr>
           <a:xfrm flipV="1">
             <a:off x="9334694" y="862763"/>
-            <a:ext cx="837365" cy="2634689"/>
+            <a:ext cx="837365" cy="2722687"/>
           </a:xfrm>
           <a:prstGeom prst="bentConnector2">
             <a:avLst/>
@@ -5652,7 +5652,7 @@
         <p:spPr>
           <a:xfrm flipV="1">
             <a:off x="9334694" y="862763"/>
-            <a:ext cx="837365" cy="3214117"/>
+            <a:ext cx="837365" cy="3302115"/>
           </a:xfrm>
           <a:prstGeom prst="bentConnector2">
             <a:avLst/>
@@ -5698,7 +5698,7 @@
         <p:spPr>
           <a:xfrm flipV="1">
             <a:off x="9334694" y="862763"/>
-            <a:ext cx="837365" cy="3793544"/>
+            <a:ext cx="837365" cy="3881542"/>
           </a:xfrm>
           <a:prstGeom prst="bentConnector2">
             <a:avLst/>
@@ -5744,7 +5744,7 @@
         <p:spPr>
           <a:xfrm flipV="1">
             <a:off x="9870582" y="862763"/>
-            <a:ext cx="301477" cy="4373826"/>
+            <a:ext cx="301477" cy="4461824"/>
           </a:xfrm>
           <a:prstGeom prst="bentConnector2">
             <a:avLst/>
@@ -5790,7 +5790,7 @@
         <p:spPr>
           <a:xfrm flipV="1">
             <a:off x="9635298" y="862763"/>
-            <a:ext cx="536761" cy="4953254"/>
+            <a:ext cx="536761" cy="5041252"/>
           </a:xfrm>
           <a:prstGeom prst="bentConnector2">
             <a:avLst/>
@@ -5836,7 +5836,7 @@
         <p:spPr>
           <a:xfrm flipV="1">
             <a:off x="9334693" y="862763"/>
-            <a:ext cx="837366" cy="5532682"/>
+            <a:ext cx="837366" cy="5620680"/>
           </a:xfrm>
           <a:prstGeom prst="bentConnector2">
             <a:avLst/>
@@ -5883,12 +5883,12 @@
         <p:spPr>
           <a:xfrm flipH="1" flipV="1">
             <a:off x="8053573" y="759998"/>
-            <a:ext cx="1281121" cy="706205"/>
+            <a:ext cx="1281121" cy="916635"/>
           </a:xfrm>
           <a:prstGeom prst="bentConnector4">
             <a:avLst>
-              <a:gd name="adj1" fmla="val -65029"/>
-              <a:gd name="adj2" fmla="val 60915"/>
+              <a:gd name="adj1" fmla="val -65626"/>
+              <a:gd name="adj2" fmla="val 63000"/>
             </a:avLst>
           </a:prstGeom>
           <a:ln w="12700">
@@ -5896,51 +5896,6 @@
               <a:srgbClr val="FF0000"/>
             </a:solidFill>
             <a:prstDash val="sysDash"/>
-            <a:tailEnd type="triangle"/>
-          </a:ln>
-        </p:spPr>
-        <p:style>
-          <a:lnRef idx="1">
-            <a:schemeClr val="accent1"/>
-          </a:lnRef>
-          <a:fillRef idx="0">
-            <a:schemeClr val="accent1"/>
-          </a:fillRef>
-          <a:effectRef idx="0">
-            <a:schemeClr val="accent1"/>
-          </a:effectRef>
-          <a:fontRef idx="minor">
-            <a:schemeClr val="tx1"/>
-          </a:fontRef>
-        </p:style>
-      </p:cxnSp>
-      <p:cxnSp>
-        <p:nvCxnSpPr>
-          <p:cNvPr id="145" name="Straight Arrow Connector 144">
-            <a:extLst>
-              <a:ext uri="{FF2B5EF4-FFF2-40B4-BE49-F238E27FC236}">
-                <a16:creationId xmlns:a16="http://schemas.microsoft.com/office/drawing/2014/main" id="{454E9FFB-9517-AB31-9D10-4DD23F3A6D27}"/>
-              </a:ext>
-            </a:extLst>
-          </p:cNvPr>
-          <p:cNvCxnSpPr>
-            <a:stCxn id="44" idx="2"/>
-            <a:endCxn id="43" idx="0"/>
-          </p:cNvCxnSpPr>
-          <p:nvPr/>
-        </p:nvCxnSpPr>
-        <p:spPr>
-          <a:xfrm>
-            <a:off x="8385136" y="1704534"/>
-            <a:ext cx="0" cy="391197"/>
-          </a:xfrm>
-          <a:prstGeom prst="straightConnector1">
-            <a:avLst/>
-          </a:prstGeom>
-          <a:ln w="12700">
-            <a:solidFill>
-              <a:schemeClr val="tx1"/>
-            </a:solidFill>
             <a:tailEnd type="triangle"/>
           </a:ln>
         </p:spPr>

--- a/docs/Design/MG/MG_graph.pptx
+++ b/docs/Design/MG/MG_graph.pptx
@@ -262,7 +262,7 @@
           <a:p>
             <a:fld id="{F47AF883-73CD-4D01-B3F1-B6051B25B1FC}" type="datetimeFigureOut">
               <a:rPr lang="en-CA" smtClean="0"/>
-              <a:t>2023-03-19</a:t>
+              <a:t>2023-04-12</a:t>
             </a:fld>
             <a:endParaRPr lang="en-CA"/>
           </a:p>
@@ -462,7 +462,7 @@
           <a:p>
             <a:fld id="{F47AF883-73CD-4D01-B3F1-B6051B25B1FC}" type="datetimeFigureOut">
               <a:rPr lang="en-CA" smtClean="0"/>
-              <a:t>2023-03-19</a:t>
+              <a:t>2023-04-12</a:t>
             </a:fld>
             <a:endParaRPr lang="en-CA"/>
           </a:p>
@@ -672,7 +672,7 @@
           <a:p>
             <a:fld id="{F47AF883-73CD-4D01-B3F1-B6051B25B1FC}" type="datetimeFigureOut">
               <a:rPr lang="en-CA" smtClean="0"/>
-              <a:t>2023-03-19</a:t>
+              <a:t>2023-04-12</a:t>
             </a:fld>
             <a:endParaRPr lang="en-CA"/>
           </a:p>
@@ -872,7 +872,7 @@
           <a:p>
             <a:fld id="{F47AF883-73CD-4D01-B3F1-B6051B25B1FC}" type="datetimeFigureOut">
               <a:rPr lang="en-CA" smtClean="0"/>
-              <a:t>2023-03-19</a:t>
+              <a:t>2023-04-12</a:t>
             </a:fld>
             <a:endParaRPr lang="en-CA"/>
           </a:p>
@@ -1148,7 +1148,7 @@
           <a:p>
             <a:fld id="{F47AF883-73CD-4D01-B3F1-B6051B25B1FC}" type="datetimeFigureOut">
               <a:rPr lang="en-CA" smtClean="0"/>
-              <a:t>2023-03-19</a:t>
+              <a:t>2023-04-12</a:t>
             </a:fld>
             <a:endParaRPr lang="en-CA"/>
           </a:p>
@@ -1416,7 +1416,7 @@
           <a:p>
             <a:fld id="{F47AF883-73CD-4D01-B3F1-B6051B25B1FC}" type="datetimeFigureOut">
               <a:rPr lang="en-CA" smtClean="0"/>
-              <a:t>2023-03-19</a:t>
+              <a:t>2023-04-12</a:t>
             </a:fld>
             <a:endParaRPr lang="en-CA"/>
           </a:p>
@@ -1831,7 +1831,7 @@
           <a:p>
             <a:fld id="{F47AF883-73CD-4D01-B3F1-B6051B25B1FC}" type="datetimeFigureOut">
               <a:rPr lang="en-CA" smtClean="0"/>
-              <a:t>2023-03-19</a:t>
+              <a:t>2023-04-12</a:t>
             </a:fld>
             <a:endParaRPr lang="en-CA"/>
           </a:p>
@@ -1973,7 +1973,7 @@
           <a:p>
             <a:fld id="{F47AF883-73CD-4D01-B3F1-B6051B25B1FC}" type="datetimeFigureOut">
               <a:rPr lang="en-CA" smtClean="0"/>
-              <a:t>2023-03-19</a:t>
+              <a:t>2023-04-12</a:t>
             </a:fld>
             <a:endParaRPr lang="en-CA"/>
           </a:p>
@@ -2086,7 +2086,7 @@
           <a:p>
             <a:fld id="{F47AF883-73CD-4D01-B3F1-B6051B25B1FC}" type="datetimeFigureOut">
               <a:rPr lang="en-CA" smtClean="0"/>
-              <a:t>2023-03-19</a:t>
+              <a:t>2023-04-12</a:t>
             </a:fld>
             <a:endParaRPr lang="en-CA"/>
           </a:p>
@@ -2399,7 +2399,7 @@
           <a:p>
             <a:fld id="{F47AF883-73CD-4D01-B3F1-B6051B25B1FC}" type="datetimeFigureOut">
               <a:rPr lang="en-CA" smtClean="0"/>
-              <a:t>2023-03-19</a:t>
+              <a:t>2023-04-12</a:t>
             </a:fld>
             <a:endParaRPr lang="en-CA"/>
           </a:p>
@@ -2688,7 +2688,7 @@
           <a:p>
             <a:fld id="{F47AF883-73CD-4D01-B3F1-B6051B25B1FC}" type="datetimeFigureOut">
               <a:rPr lang="en-CA" smtClean="0"/>
-              <a:t>2023-03-19</a:t>
+              <a:t>2023-04-12</a:t>
             </a:fld>
             <a:endParaRPr lang="en-CA"/>
           </a:p>
@@ -2931,7 +2931,7 @@
           <a:p>
             <a:fld id="{F47AF883-73CD-4D01-B3F1-B6051B25B1FC}" type="datetimeFigureOut">
               <a:rPr lang="en-CA" smtClean="0"/>
-              <a:t>2023-03-19</a:t>
+              <a:t>2023-04-12</a:t>
             </a:fld>
             <a:endParaRPr lang="en-CA"/>
           </a:p>
@@ -5250,7 +5250,7 @@
         </p:nvSpPr>
         <p:spPr>
           <a:xfrm>
-            <a:off x="1096886" y="3073664"/>
+            <a:off x="1096886" y="1875933"/>
             <a:ext cx="1235994" cy="788376"/>
           </a:xfrm>
           <a:prstGeom prst="rect">
@@ -5306,6 +5306,7 @@
             </a:extLst>
           </p:cNvPr>
           <p:cNvCxnSpPr>
+            <a:cxnSpLocks/>
             <a:stCxn id="5" idx="2"/>
             <a:endCxn id="128" idx="0"/>
           </p:cNvCxnSpPr>
@@ -5313,12 +5314,12 @@
         </p:nvCxnSpPr>
         <p:spPr>
           <a:xfrm rot="5400000">
-            <a:off x="1508706" y="968366"/>
-            <a:ext cx="2311475" cy="1899120"/>
+            <a:off x="2107571" y="369501"/>
+            <a:ext cx="1113744" cy="1899120"/>
           </a:xfrm>
           <a:prstGeom prst="bentConnector3">
             <a:avLst>
-              <a:gd name="adj1" fmla="val 71187"/>
+              <a:gd name="adj1" fmla="val 35546"/>
             </a:avLst>
           </a:prstGeom>
           <a:ln w="12700">
